--- a/Non-Technical Presentation.pptx
+++ b/Non-Technical Presentation.pptx
@@ -10,12 +10,15 @@
     <p:sldId id="262" r:id="rId4"/>
     <p:sldId id="263" r:id="rId5"/>
     <p:sldId id="264" r:id="rId6"/>
-    <p:sldId id="280" r:id="rId7"/>
-    <p:sldId id="265" r:id="rId8"/>
-    <p:sldId id="266" r:id="rId9"/>
-    <p:sldId id="276" r:id="rId10"/>
-    <p:sldId id="275" r:id="rId11"/>
-    <p:sldId id="279" r:id="rId12"/>
+    <p:sldId id="284" r:id="rId7"/>
+    <p:sldId id="280" r:id="rId8"/>
+    <p:sldId id="265" r:id="rId9"/>
+    <p:sldId id="266" r:id="rId10"/>
+    <p:sldId id="281" r:id="rId11"/>
+    <p:sldId id="283" r:id="rId12"/>
+    <p:sldId id="276" r:id="rId13"/>
+    <p:sldId id="275" r:id="rId14"/>
+    <p:sldId id="279" r:id="rId15"/>
   </p:sldIdLst>
   <p:sldSz cx="12192000" cy="6858000"/>
   <p:notesSz cx="6858000" cy="9144000"/>
@@ -269,7 +272,7 @@
           <a:p>
             <a:fld id="{EED1C14C-A143-42F5-B247-D0E800131009}" type="datetimeFigureOut">
               <a:rPr lang="en-US" smtClean="0"/>
-              <a:t>6/19/2025</a:t>
+              <a:t>6/20/2025</a:t>
             </a:fld>
             <a:endParaRPr lang="en-US"/>
           </a:p>
@@ -467,7 +470,7 @@
           <a:p>
             <a:fld id="{EED1C14C-A143-42F5-B247-D0E800131009}" type="datetimeFigureOut">
               <a:rPr lang="en-US" smtClean="0"/>
-              <a:t>6/19/2025</a:t>
+              <a:t>6/20/2025</a:t>
             </a:fld>
             <a:endParaRPr lang="en-US"/>
           </a:p>
@@ -675,7 +678,7 @@
           <a:p>
             <a:fld id="{EED1C14C-A143-42F5-B247-D0E800131009}" type="datetimeFigureOut">
               <a:rPr lang="en-US" smtClean="0"/>
-              <a:t>6/19/2025</a:t>
+              <a:t>6/20/2025</a:t>
             </a:fld>
             <a:endParaRPr lang="en-US"/>
           </a:p>
@@ -873,7 +876,7 @@
           <a:p>
             <a:fld id="{EED1C14C-A143-42F5-B247-D0E800131009}" type="datetimeFigureOut">
               <a:rPr lang="en-US" smtClean="0"/>
-              <a:t>6/19/2025</a:t>
+              <a:t>6/20/2025</a:t>
             </a:fld>
             <a:endParaRPr lang="en-US"/>
           </a:p>
@@ -1148,7 +1151,7 @@
           <a:p>
             <a:fld id="{EED1C14C-A143-42F5-B247-D0E800131009}" type="datetimeFigureOut">
               <a:rPr lang="en-US" smtClean="0"/>
-              <a:t>6/19/2025</a:t>
+              <a:t>6/20/2025</a:t>
             </a:fld>
             <a:endParaRPr lang="en-US"/>
           </a:p>
@@ -1413,7 +1416,7 @@
           <a:p>
             <a:fld id="{EED1C14C-A143-42F5-B247-D0E800131009}" type="datetimeFigureOut">
               <a:rPr lang="en-US" smtClean="0"/>
-              <a:t>6/19/2025</a:t>
+              <a:t>6/20/2025</a:t>
             </a:fld>
             <a:endParaRPr lang="en-US"/>
           </a:p>
@@ -1825,7 +1828,7 @@
           <a:p>
             <a:fld id="{EED1C14C-A143-42F5-B247-D0E800131009}" type="datetimeFigureOut">
               <a:rPr lang="en-US" smtClean="0"/>
-              <a:t>6/19/2025</a:t>
+              <a:t>6/20/2025</a:t>
             </a:fld>
             <a:endParaRPr lang="en-US"/>
           </a:p>
@@ -1966,7 +1969,7 @@
           <a:p>
             <a:fld id="{EED1C14C-A143-42F5-B247-D0E800131009}" type="datetimeFigureOut">
               <a:rPr lang="en-US" smtClean="0"/>
-              <a:t>6/19/2025</a:t>
+              <a:t>6/20/2025</a:t>
             </a:fld>
             <a:endParaRPr lang="en-US"/>
           </a:p>
@@ -2079,7 +2082,7 @@
           <a:p>
             <a:fld id="{EED1C14C-A143-42F5-B247-D0E800131009}" type="datetimeFigureOut">
               <a:rPr lang="en-US" smtClean="0"/>
-              <a:t>6/19/2025</a:t>
+              <a:t>6/20/2025</a:t>
             </a:fld>
             <a:endParaRPr lang="en-US"/>
           </a:p>
@@ -2390,7 +2393,7 @@
           <a:p>
             <a:fld id="{EED1C14C-A143-42F5-B247-D0E800131009}" type="datetimeFigureOut">
               <a:rPr lang="en-US" smtClean="0"/>
-              <a:t>6/19/2025</a:t>
+              <a:t>6/20/2025</a:t>
             </a:fld>
             <a:endParaRPr lang="en-US"/>
           </a:p>
@@ -2678,7 +2681,7 @@
           <a:p>
             <a:fld id="{EED1C14C-A143-42F5-B247-D0E800131009}" type="datetimeFigureOut">
               <a:rPr lang="en-US" smtClean="0"/>
-              <a:t>6/19/2025</a:t>
+              <a:t>6/20/2025</a:t>
             </a:fld>
             <a:endParaRPr lang="en-US"/>
           </a:p>
@@ -2919,7 +2922,7 @@
           <a:p>
             <a:fld id="{EED1C14C-A143-42F5-B247-D0E800131009}" type="datetimeFigureOut">
               <a:rPr lang="en-US" smtClean="0"/>
-              <a:t>6/19/2025</a:t>
+              <a:t>6/20/2025</a:t>
             </a:fld>
             <a:endParaRPr lang="en-US"/>
           </a:p>
@@ -3806,64 +3809,26 @@
       </p:grpSpPr>
       <p:sp>
         <p:nvSpPr>
-          <p:cNvPr id="2" name="Title 1">
-            <a:extLst>
-              <a:ext uri="{FF2B5EF4-FFF2-40B4-BE49-F238E27FC236}">
-                <a16:creationId xmlns:a16="http://schemas.microsoft.com/office/drawing/2014/main" id="{875BA364-4DAD-9DB6-DE97-0A8A1B9C2CA9}"/>
-              </a:ext>
-            </a:extLst>
-          </p:cNvPr>
-          <p:cNvSpPr>
-            <a:spLocks noGrp="1"/>
-          </p:cNvSpPr>
-          <p:nvPr>
-            <p:ph type="ctrTitle"/>
-          </p:nvPr>
+          <p:cNvPr id="5" name="Subtitle 2">
+            <a:extLst>
+              <a:ext uri="{FF2B5EF4-FFF2-40B4-BE49-F238E27FC236}">
+                <a16:creationId xmlns:a16="http://schemas.microsoft.com/office/drawing/2014/main" id="{E5D340A9-A8EF-6F87-A0DA-F2ED1385038D}"/>
+              </a:ext>
+            </a:extLst>
+          </p:cNvPr>
+          <p:cNvSpPr txBox="1">
+            <a:spLocks/>
+          </p:cNvSpPr>
+          <p:nvPr/>
         </p:nvSpPr>
         <p:spPr>
           <a:xfrm>
-            <a:off x="845389" y="449505"/>
-            <a:ext cx="10067026" cy="844460"/>
+            <a:off x="838199" y="1623317"/>
+            <a:ext cx="10515601" cy="4808305"/>
           </a:xfrm>
-          <a:solidFill>
-            <a:schemeClr val="accent1"/>
-          </a:solidFill>
-        </p:spPr>
-        <p:txBody>
-          <a:bodyPr>
-            <a:normAutofit fontScale="90000"/>
-          </a:bodyPr>
-          <a:lstStyle/>
-          <a:p>
-            <a:r>
-              <a:rPr lang="en-US" b="1" dirty="0"/>
-              <a:t>Next Steps</a:t>
-            </a:r>
-            <a:endParaRPr lang="en-US" dirty="0"/>
-          </a:p>
-        </p:txBody>
-      </p:sp>
-      <p:sp>
-        <p:nvSpPr>
-          <p:cNvPr id="3" name="Subtitle 2">
-            <a:extLst>
-              <a:ext uri="{FF2B5EF4-FFF2-40B4-BE49-F238E27FC236}">
-                <a16:creationId xmlns:a16="http://schemas.microsoft.com/office/drawing/2014/main" id="{E9F7211C-ED9F-32AE-5545-4632999ADD32}"/>
-              </a:ext>
-            </a:extLst>
-          </p:cNvPr>
-          <p:cNvSpPr>
-            <a:spLocks noGrp="1"/>
-          </p:cNvSpPr>
-          <p:nvPr>
-            <p:ph type="subTitle" idx="1"/>
-          </p:nvPr>
-        </p:nvSpPr>
-        <p:spPr>
-          <a:xfrm>
-            <a:off x="845389" y="1423358"/>
-            <a:ext cx="10067026" cy="3963835"/>
-          </a:xfrm>
+          <a:prstGeom prst="rect">
+            <a:avLst/>
+          </a:prstGeom>
           <a:gradFill>
             <a:gsLst>
               <a:gs pos="0">
@@ -3895,86 +3860,283 @@
           </a:gradFill>
         </p:spPr>
         <p:txBody>
+          <a:bodyPr vert="horz" lIns="91440" tIns="45720" rIns="91440" bIns="45720" rtlCol="0">
+            <a:normAutofit/>
+          </a:bodyPr>
+          <a:lstStyle>
+            <a:lvl1pPr marL="228600" indent="-228600" algn="l" defTabSz="914400" rtl="0" eaLnBrk="1" latinLnBrk="0" hangingPunct="1">
+              <a:lnSpc>
+                <a:spcPct val="90000"/>
+              </a:lnSpc>
+              <a:spcBef>
+                <a:spcPts val="1000"/>
+              </a:spcBef>
+              <a:buFont typeface="Arial" panose="020B0604020202020204" pitchFamily="34" charset="0"/>
+              <a:buChar char="•"/>
+              <a:defRPr sz="2800" kern="1200">
+                <a:solidFill>
+                  <a:schemeClr val="tx1"/>
+                </a:solidFill>
+                <a:latin typeface="+mn-lt"/>
+                <a:ea typeface="+mn-ea"/>
+                <a:cs typeface="+mn-cs"/>
+              </a:defRPr>
+            </a:lvl1pPr>
+            <a:lvl2pPr marL="685800" indent="-228600" algn="l" defTabSz="914400" rtl="0" eaLnBrk="1" latinLnBrk="0" hangingPunct="1">
+              <a:lnSpc>
+                <a:spcPct val="90000"/>
+              </a:lnSpc>
+              <a:spcBef>
+                <a:spcPts val="500"/>
+              </a:spcBef>
+              <a:buFont typeface="Arial" panose="020B0604020202020204" pitchFamily="34" charset="0"/>
+              <a:buChar char="•"/>
+              <a:defRPr sz="2400" kern="1200">
+                <a:solidFill>
+                  <a:schemeClr val="tx1"/>
+                </a:solidFill>
+                <a:latin typeface="+mn-lt"/>
+                <a:ea typeface="+mn-ea"/>
+                <a:cs typeface="+mn-cs"/>
+              </a:defRPr>
+            </a:lvl2pPr>
+            <a:lvl3pPr marL="1143000" indent="-228600" algn="l" defTabSz="914400" rtl="0" eaLnBrk="1" latinLnBrk="0" hangingPunct="1">
+              <a:lnSpc>
+                <a:spcPct val="90000"/>
+              </a:lnSpc>
+              <a:spcBef>
+                <a:spcPts val="500"/>
+              </a:spcBef>
+              <a:buFont typeface="Arial" panose="020B0604020202020204" pitchFamily="34" charset="0"/>
+              <a:buChar char="•"/>
+              <a:defRPr sz="2000" kern="1200">
+                <a:solidFill>
+                  <a:schemeClr val="tx1"/>
+                </a:solidFill>
+                <a:latin typeface="+mn-lt"/>
+                <a:ea typeface="+mn-ea"/>
+                <a:cs typeface="+mn-cs"/>
+              </a:defRPr>
+            </a:lvl3pPr>
+            <a:lvl4pPr marL="1600200" indent="-228600" algn="l" defTabSz="914400" rtl="0" eaLnBrk="1" latinLnBrk="0" hangingPunct="1">
+              <a:lnSpc>
+                <a:spcPct val="90000"/>
+              </a:lnSpc>
+              <a:spcBef>
+                <a:spcPts val="500"/>
+              </a:spcBef>
+              <a:buFont typeface="Arial" panose="020B0604020202020204" pitchFamily="34" charset="0"/>
+              <a:buChar char="•"/>
+              <a:defRPr sz="1800" kern="1200">
+                <a:solidFill>
+                  <a:schemeClr val="tx1"/>
+                </a:solidFill>
+                <a:latin typeface="+mn-lt"/>
+                <a:ea typeface="+mn-ea"/>
+                <a:cs typeface="+mn-cs"/>
+              </a:defRPr>
+            </a:lvl4pPr>
+            <a:lvl5pPr marL="2057400" indent="-228600" algn="l" defTabSz="914400" rtl="0" eaLnBrk="1" latinLnBrk="0" hangingPunct="1">
+              <a:lnSpc>
+                <a:spcPct val="90000"/>
+              </a:lnSpc>
+              <a:spcBef>
+                <a:spcPts val="500"/>
+              </a:spcBef>
+              <a:buFont typeface="Arial" panose="020B0604020202020204" pitchFamily="34" charset="0"/>
+              <a:buChar char="•"/>
+              <a:defRPr sz="1800" kern="1200">
+                <a:solidFill>
+                  <a:schemeClr val="tx1"/>
+                </a:solidFill>
+                <a:latin typeface="+mn-lt"/>
+                <a:ea typeface="+mn-ea"/>
+                <a:cs typeface="+mn-cs"/>
+              </a:defRPr>
+            </a:lvl5pPr>
+            <a:lvl6pPr marL="2514600" indent="-228600" algn="l" defTabSz="914400" rtl="0" eaLnBrk="1" latinLnBrk="0" hangingPunct="1">
+              <a:lnSpc>
+                <a:spcPct val="90000"/>
+              </a:lnSpc>
+              <a:spcBef>
+                <a:spcPts val="500"/>
+              </a:spcBef>
+              <a:buFont typeface="Arial" panose="020B0604020202020204" pitchFamily="34" charset="0"/>
+              <a:buChar char="•"/>
+              <a:defRPr sz="1800" kern="1200">
+                <a:solidFill>
+                  <a:schemeClr val="tx1"/>
+                </a:solidFill>
+                <a:latin typeface="+mn-lt"/>
+                <a:ea typeface="+mn-ea"/>
+                <a:cs typeface="+mn-cs"/>
+              </a:defRPr>
+            </a:lvl6pPr>
+            <a:lvl7pPr marL="2971800" indent="-228600" algn="l" defTabSz="914400" rtl="0" eaLnBrk="1" latinLnBrk="0" hangingPunct="1">
+              <a:lnSpc>
+                <a:spcPct val="90000"/>
+              </a:lnSpc>
+              <a:spcBef>
+                <a:spcPts val="500"/>
+              </a:spcBef>
+              <a:buFont typeface="Arial" panose="020B0604020202020204" pitchFamily="34" charset="0"/>
+              <a:buChar char="•"/>
+              <a:defRPr sz="1800" kern="1200">
+                <a:solidFill>
+                  <a:schemeClr val="tx1"/>
+                </a:solidFill>
+                <a:latin typeface="+mn-lt"/>
+                <a:ea typeface="+mn-ea"/>
+                <a:cs typeface="+mn-cs"/>
+              </a:defRPr>
+            </a:lvl7pPr>
+            <a:lvl8pPr marL="3429000" indent="-228600" algn="l" defTabSz="914400" rtl="0" eaLnBrk="1" latinLnBrk="0" hangingPunct="1">
+              <a:lnSpc>
+                <a:spcPct val="90000"/>
+              </a:lnSpc>
+              <a:spcBef>
+                <a:spcPts val="500"/>
+              </a:spcBef>
+              <a:buFont typeface="Arial" panose="020B0604020202020204" pitchFamily="34" charset="0"/>
+              <a:buChar char="•"/>
+              <a:defRPr sz="1800" kern="1200">
+                <a:solidFill>
+                  <a:schemeClr val="tx1"/>
+                </a:solidFill>
+                <a:latin typeface="+mn-lt"/>
+                <a:ea typeface="+mn-ea"/>
+                <a:cs typeface="+mn-cs"/>
+              </a:defRPr>
+            </a:lvl8pPr>
+            <a:lvl9pPr marL="3886200" indent="-228600" algn="l" defTabSz="914400" rtl="0" eaLnBrk="1" latinLnBrk="0" hangingPunct="1">
+              <a:lnSpc>
+                <a:spcPct val="90000"/>
+              </a:lnSpc>
+              <a:spcBef>
+                <a:spcPts val="500"/>
+              </a:spcBef>
+              <a:buFont typeface="Arial" panose="020B0604020202020204" pitchFamily="34" charset="0"/>
+              <a:buChar char="•"/>
+              <a:defRPr sz="1800" kern="1200">
+                <a:solidFill>
+                  <a:schemeClr val="tx1"/>
+                </a:solidFill>
+                <a:latin typeface="+mn-lt"/>
+                <a:ea typeface="+mn-ea"/>
+                <a:cs typeface="+mn-cs"/>
+              </a:defRPr>
+            </a:lvl9pPr>
+          </a:lstStyle>
+          <a:p>
+            <a:pPr marL="0" indent="0">
+              <a:buNone/>
+            </a:pPr>
+            <a:endParaRPr lang="en-US" b="1" dirty="0">
+              <a:solidFill>
+                <a:schemeClr val="bg1"/>
+              </a:solidFill>
+            </a:endParaRPr>
+          </a:p>
+          <a:p>
+            <a:endParaRPr lang="en-US" b="1" dirty="0">
+              <a:solidFill>
+                <a:schemeClr val="bg1"/>
+              </a:solidFill>
+            </a:endParaRPr>
+          </a:p>
+          <a:p>
+            <a:endParaRPr lang="en-US" b="1" dirty="0">
+              <a:solidFill>
+                <a:schemeClr val="bg1"/>
+              </a:solidFill>
+            </a:endParaRPr>
+          </a:p>
+        </p:txBody>
+      </p:sp>
+      <p:sp>
+        <p:nvSpPr>
+          <p:cNvPr id="3" name="Content Placeholder 2">
+            <a:extLst>
+              <a:ext uri="{FF2B5EF4-FFF2-40B4-BE49-F238E27FC236}">
+                <a16:creationId xmlns:a16="http://schemas.microsoft.com/office/drawing/2014/main" id="{7A389961-A87A-B59B-37E9-B0C895FF038B}"/>
+              </a:ext>
+            </a:extLst>
+          </p:cNvPr>
+          <p:cNvSpPr>
+            <a:spLocks noGrp="1"/>
+          </p:cNvSpPr>
+          <p:nvPr>
+            <p:ph idx="1"/>
+          </p:nvPr>
+        </p:nvSpPr>
+        <p:spPr/>
+        <p:txBody>
           <a:bodyPr>
             <a:normAutofit/>
           </a:bodyPr>
           <a:lstStyle/>
           <a:p>
-            <a:pPr marL="342900" indent="-342900" algn="l">
-              <a:buFont typeface="Arial" panose="020B0604020202020204" pitchFamily="34" charset="0"/>
-              <a:buChar char="•"/>
-            </a:pPr>
-            <a:r>
-              <a:rPr lang="en-US" dirty="0"/>
-              <a:t>Deploy model to flag high-risk customers weekly.</a:t>
-            </a:r>
-          </a:p>
-          <a:p>
-            <a:pPr algn="l"/>
-            <a:endParaRPr lang="en-US" dirty="0"/>
-          </a:p>
-          <a:p>
-            <a:pPr marL="342900" indent="-342900" algn="l">
-              <a:buFont typeface="Arial" panose="020B0604020202020204" pitchFamily="34" charset="0"/>
-              <a:buChar char="•"/>
-            </a:pPr>
-            <a:r>
-              <a:rPr lang="en-US" dirty="0"/>
-              <a:t>Integrate predictions into CRM for personalized retention actions.</a:t>
-            </a:r>
-          </a:p>
-          <a:p>
-            <a:pPr marL="342900" indent="-342900" algn="l">
-              <a:buFont typeface="Arial" panose="020B0604020202020204" pitchFamily="34" charset="0"/>
-              <a:buChar char="•"/>
-            </a:pPr>
-            <a:endParaRPr lang="en-US" dirty="0"/>
-          </a:p>
-          <a:p>
-            <a:pPr marL="342900" indent="-342900" algn="l">
-              <a:buFont typeface="Arial" panose="020B0604020202020204" pitchFamily="34" charset="0"/>
-              <a:buChar char="•"/>
-            </a:pPr>
-            <a:r>
-              <a:rPr lang="en-US" dirty="0"/>
-              <a:t>Continue refining the model with new data.</a:t>
-            </a:r>
-          </a:p>
-          <a:p>
-            <a:pPr marL="342900" indent="-342900" algn="l">
-              <a:buFont typeface="Wingdings" panose="05000000000000000000" pitchFamily="2" charset="2"/>
-              <a:buChar char="§"/>
-            </a:pPr>
-            <a:endParaRPr lang="en-US" b="0" i="0" dirty="0">
-              <a:effectLst/>
-              <a:latin typeface="system-ui"/>
-            </a:endParaRPr>
-          </a:p>
-          <a:p>
-            <a:pPr marL="342900" indent="-342900" algn="l">
-              <a:buFont typeface="Wingdings" panose="05000000000000000000" pitchFamily="2" charset="2"/>
-              <a:buChar char="§"/>
-            </a:pPr>
-            <a:endParaRPr lang="en-US" b="0" i="0" dirty="0">
-              <a:effectLst/>
-              <a:latin typeface="system-ui"/>
-            </a:endParaRPr>
-          </a:p>
-          <a:p>
-            <a:pPr marL="342900" indent="-342900" algn="l">
-              <a:buFont typeface="Wingdings" panose="05000000000000000000" pitchFamily="2" charset="2"/>
-              <a:buChar char="§"/>
-            </a:pPr>
-            <a:endParaRPr lang="en-US" b="0" i="0" dirty="0">
-              <a:effectLst/>
-              <a:latin typeface="system-ui"/>
-            </a:endParaRPr>
-          </a:p>
-          <a:p>
-            <a:pPr marL="342900" indent="-342900" algn="l">
-              <a:buFont typeface="Wingdings" panose="05000000000000000000" pitchFamily="2" charset="2"/>
-              <a:buChar char="§"/>
-            </a:pPr>
+            <a:r>
+              <a:rPr lang="en-US" sz="3600" dirty="0"/>
+              <a:t>Combined SVD with genre-based cosine similarity.</a:t>
+            </a:r>
+          </a:p>
+          <a:p>
+            <a:r>
+              <a:rPr lang="en-US" sz="3600" dirty="0"/>
+              <a:t>Addressed cold-start issues for new users.</a:t>
+            </a:r>
+          </a:p>
+          <a:p>
+            <a:r>
+              <a:rPr lang="en-US" sz="3600" dirty="0"/>
+              <a:t>Blended scores with alpha=0.7 (70% CF, 30% content-based).</a:t>
+            </a:r>
+          </a:p>
+        </p:txBody>
+      </p:sp>
+      <p:sp>
+        <p:nvSpPr>
+          <p:cNvPr id="4" name="Title 1">
+            <a:extLst>
+              <a:ext uri="{FF2B5EF4-FFF2-40B4-BE49-F238E27FC236}">
+                <a16:creationId xmlns:a16="http://schemas.microsoft.com/office/drawing/2014/main" id="{076F5B43-4EB9-682F-706B-D3C3FA4802AF}"/>
+              </a:ext>
+            </a:extLst>
+          </p:cNvPr>
+          <p:cNvSpPr>
+            <a:spLocks noGrp="1"/>
+          </p:cNvSpPr>
+          <p:nvPr>
+            <p:ph type="title"/>
+          </p:nvPr>
+        </p:nvSpPr>
+        <p:spPr>
+          <a:xfrm>
+            <a:off x="838200" y="365125"/>
+            <a:ext cx="10515600" cy="1299083"/>
+          </a:xfrm>
+          <a:solidFill>
+            <a:schemeClr val="accent1"/>
+          </a:solidFill>
+        </p:spPr>
+        <p:txBody>
+          <a:bodyPr>
+            <a:normAutofit/>
+          </a:bodyPr>
+          <a:lstStyle/>
+          <a:p>
+            <a:pPr algn="ctr"/>
+            <a:r>
+              <a:rPr lang="en-US" sz="5300" b="1" i="0" dirty="0">
+                <a:solidFill>
+                  <a:schemeClr val="bg1"/>
+                </a:solidFill>
+                <a:effectLst/>
+                <a:latin typeface="system-ui"/>
+              </a:rPr>
+              <a:t>Hybrid Filtering</a:t>
+            </a:r>
             <a:endParaRPr lang="en-US" dirty="0"/>
           </a:p>
         </p:txBody>
@@ -3982,7 +4144,7 @@
     </p:spTree>
     <p:extLst>
       <p:ext uri="{BB962C8B-B14F-4D97-AF65-F5344CB8AC3E}">
-        <p14:creationId xmlns:p14="http://schemas.microsoft.com/office/powerpoint/2010/main" val="1939040054"/>
+        <p14:creationId xmlns:p14="http://schemas.microsoft.com/office/powerpoint/2010/main" val="3947240927"/>
       </p:ext>
     </p:extLst>
   </p:cSld>
@@ -4011,68 +4173,26 @@
       </p:grpSpPr>
       <p:sp>
         <p:nvSpPr>
-          <p:cNvPr id="2" name="Title 1">
-            <a:extLst>
-              <a:ext uri="{FF2B5EF4-FFF2-40B4-BE49-F238E27FC236}">
-                <a16:creationId xmlns:a16="http://schemas.microsoft.com/office/drawing/2014/main" id="{A207EC97-D44A-02C7-F003-48B5C9E9458F}"/>
-              </a:ext>
-            </a:extLst>
-          </p:cNvPr>
-          <p:cNvSpPr>
-            <a:spLocks noGrp="1"/>
-          </p:cNvSpPr>
-          <p:nvPr>
-            <p:ph type="ctrTitle"/>
-          </p:nvPr>
+          <p:cNvPr id="5" name="Subtitle 2">
+            <a:extLst>
+              <a:ext uri="{FF2B5EF4-FFF2-40B4-BE49-F238E27FC236}">
+                <a16:creationId xmlns:a16="http://schemas.microsoft.com/office/drawing/2014/main" id="{4826C83D-7859-7BBA-8D5C-FA12C9A1DD56}"/>
+              </a:ext>
+            </a:extLst>
+          </p:cNvPr>
+          <p:cNvSpPr txBox="1">
+            <a:spLocks/>
+          </p:cNvSpPr>
+          <p:nvPr/>
         </p:nvSpPr>
         <p:spPr>
           <a:xfrm>
-            <a:off x="154113" y="203862"/>
-            <a:ext cx="11733088" cy="1190855"/>
+            <a:off x="838200" y="1645920"/>
+            <a:ext cx="10515600" cy="5212080"/>
           </a:xfrm>
-          <a:solidFill>
-            <a:schemeClr val="accent1"/>
-          </a:solidFill>
-        </p:spPr>
-        <p:txBody>
-          <a:bodyPr>
-            <a:normAutofit/>
-          </a:bodyPr>
-          <a:lstStyle/>
-          <a:p>
-            <a:r>
-              <a:rPr lang="en-US" b="1" dirty="0">
-                <a:solidFill>
-                  <a:schemeClr val="bg1"/>
-                </a:solidFill>
-              </a:rPr>
-              <a:t>Appreciation </a:t>
-            </a:r>
-            <a:endParaRPr lang="en-US" dirty="0"/>
-          </a:p>
-        </p:txBody>
-      </p:sp>
-      <p:sp>
-        <p:nvSpPr>
-          <p:cNvPr id="3" name="Subtitle 2">
-            <a:extLst>
-              <a:ext uri="{FF2B5EF4-FFF2-40B4-BE49-F238E27FC236}">
-                <a16:creationId xmlns:a16="http://schemas.microsoft.com/office/drawing/2014/main" id="{693F0C73-3601-8F25-A9ED-21341569DA41}"/>
-              </a:ext>
-            </a:extLst>
-          </p:cNvPr>
-          <p:cNvSpPr>
-            <a:spLocks noGrp="1"/>
-          </p:cNvSpPr>
-          <p:nvPr>
-            <p:ph type="subTitle" idx="1"/>
-          </p:nvPr>
-        </p:nvSpPr>
-        <p:spPr>
-          <a:xfrm>
-            <a:off x="339047" y="1623317"/>
-            <a:ext cx="11548154" cy="4808305"/>
-          </a:xfrm>
+          <a:prstGeom prst="rect">
+            <a:avLst/>
+          </a:prstGeom>
           <a:gradFill>
             <a:gsLst>
               <a:gs pos="0">
@@ -4104,87 +4224,188 @@
           </a:gradFill>
         </p:spPr>
         <p:txBody>
-          <a:bodyPr/>
-          <a:lstStyle/>
-          <a:p>
-            <a:pPr algn="l"/>
-            <a:r>
-              <a:rPr lang="en-US" dirty="0"/>
-              <a:t>We would like to thank </a:t>
-            </a:r>
-            <a:r>
-              <a:rPr lang="en-US" b="0" i="0" dirty="0">
-                <a:effectLst/>
-                <a:latin typeface="system-ui"/>
-              </a:rPr>
-              <a:t>MovieLens team for dataset access which made these analysis possible. </a:t>
-            </a:r>
-          </a:p>
-          <a:p>
-            <a:pPr algn="l"/>
-            <a:r>
-              <a:rPr lang="en-US" b="1" dirty="0">
+          <a:bodyPr vert="horz" lIns="91440" tIns="45720" rIns="91440" bIns="45720" rtlCol="0">
+            <a:normAutofit/>
+          </a:bodyPr>
+          <a:lstStyle>
+            <a:lvl1pPr marL="228600" indent="-228600" algn="l" defTabSz="914400" rtl="0" eaLnBrk="1" latinLnBrk="0" hangingPunct="1">
+              <a:lnSpc>
+                <a:spcPct val="90000"/>
+              </a:lnSpc>
+              <a:spcBef>
+                <a:spcPts val="1000"/>
+              </a:spcBef>
+              <a:buFont typeface="Arial" panose="020B0604020202020204" pitchFamily="34" charset="0"/>
+              <a:buChar char="•"/>
+              <a:defRPr sz="2800" kern="1200">
                 <a:solidFill>
-                  <a:schemeClr val="bg1"/>
+                  <a:schemeClr val="tx1"/>
                 </a:solidFill>
-              </a:rPr>
-              <a:t>Questions?</a:t>
-            </a:r>
-            <a:endParaRPr lang="en-US" b="1" dirty="0">
+                <a:latin typeface="+mn-lt"/>
+                <a:ea typeface="+mn-ea"/>
+                <a:cs typeface="+mn-cs"/>
+              </a:defRPr>
+            </a:lvl1pPr>
+            <a:lvl2pPr marL="685800" indent="-228600" algn="l" defTabSz="914400" rtl="0" eaLnBrk="1" latinLnBrk="0" hangingPunct="1">
+              <a:lnSpc>
+                <a:spcPct val="90000"/>
+              </a:lnSpc>
+              <a:spcBef>
+                <a:spcPts val="500"/>
+              </a:spcBef>
+              <a:buFont typeface="Arial" panose="020B0604020202020204" pitchFamily="34" charset="0"/>
+              <a:buChar char="•"/>
+              <a:defRPr sz="2400" kern="1200">
+                <a:solidFill>
+                  <a:schemeClr val="tx1"/>
+                </a:solidFill>
+                <a:latin typeface="+mn-lt"/>
+                <a:ea typeface="+mn-ea"/>
+                <a:cs typeface="+mn-cs"/>
+              </a:defRPr>
+            </a:lvl2pPr>
+            <a:lvl3pPr marL="1143000" indent="-228600" algn="l" defTabSz="914400" rtl="0" eaLnBrk="1" latinLnBrk="0" hangingPunct="1">
+              <a:lnSpc>
+                <a:spcPct val="90000"/>
+              </a:lnSpc>
+              <a:spcBef>
+                <a:spcPts val="500"/>
+              </a:spcBef>
+              <a:buFont typeface="Arial" panose="020B0604020202020204" pitchFamily="34" charset="0"/>
+              <a:buChar char="•"/>
+              <a:defRPr sz="2000" kern="1200">
+                <a:solidFill>
+                  <a:schemeClr val="tx1"/>
+                </a:solidFill>
+                <a:latin typeface="+mn-lt"/>
+                <a:ea typeface="+mn-ea"/>
+                <a:cs typeface="+mn-cs"/>
+              </a:defRPr>
+            </a:lvl3pPr>
+            <a:lvl4pPr marL="1600200" indent="-228600" algn="l" defTabSz="914400" rtl="0" eaLnBrk="1" latinLnBrk="0" hangingPunct="1">
+              <a:lnSpc>
+                <a:spcPct val="90000"/>
+              </a:lnSpc>
+              <a:spcBef>
+                <a:spcPts val="500"/>
+              </a:spcBef>
+              <a:buFont typeface="Arial" panose="020B0604020202020204" pitchFamily="34" charset="0"/>
+              <a:buChar char="•"/>
+              <a:defRPr sz="1800" kern="1200">
+                <a:solidFill>
+                  <a:schemeClr val="tx1"/>
+                </a:solidFill>
+                <a:latin typeface="+mn-lt"/>
+                <a:ea typeface="+mn-ea"/>
+                <a:cs typeface="+mn-cs"/>
+              </a:defRPr>
+            </a:lvl4pPr>
+            <a:lvl5pPr marL="2057400" indent="-228600" algn="l" defTabSz="914400" rtl="0" eaLnBrk="1" latinLnBrk="0" hangingPunct="1">
+              <a:lnSpc>
+                <a:spcPct val="90000"/>
+              </a:lnSpc>
+              <a:spcBef>
+                <a:spcPts val="500"/>
+              </a:spcBef>
+              <a:buFont typeface="Arial" panose="020B0604020202020204" pitchFamily="34" charset="0"/>
+              <a:buChar char="•"/>
+              <a:defRPr sz="1800" kern="1200">
+                <a:solidFill>
+                  <a:schemeClr val="tx1"/>
+                </a:solidFill>
+                <a:latin typeface="+mn-lt"/>
+                <a:ea typeface="+mn-ea"/>
+                <a:cs typeface="+mn-cs"/>
+              </a:defRPr>
+            </a:lvl5pPr>
+            <a:lvl6pPr marL="2514600" indent="-228600" algn="l" defTabSz="914400" rtl="0" eaLnBrk="1" latinLnBrk="0" hangingPunct="1">
+              <a:lnSpc>
+                <a:spcPct val="90000"/>
+              </a:lnSpc>
+              <a:spcBef>
+                <a:spcPts val="500"/>
+              </a:spcBef>
+              <a:buFont typeface="Arial" panose="020B0604020202020204" pitchFamily="34" charset="0"/>
+              <a:buChar char="•"/>
+              <a:defRPr sz="1800" kern="1200">
+                <a:solidFill>
+                  <a:schemeClr val="tx1"/>
+                </a:solidFill>
+                <a:latin typeface="+mn-lt"/>
+                <a:ea typeface="+mn-ea"/>
+                <a:cs typeface="+mn-cs"/>
+              </a:defRPr>
+            </a:lvl6pPr>
+            <a:lvl7pPr marL="2971800" indent="-228600" algn="l" defTabSz="914400" rtl="0" eaLnBrk="1" latinLnBrk="0" hangingPunct="1">
+              <a:lnSpc>
+                <a:spcPct val="90000"/>
+              </a:lnSpc>
+              <a:spcBef>
+                <a:spcPts val="500"/>
+              </a:spcBef>
+              <a:buFont typeface="Arial" panose="020B0604020202020204" pitchFamily="34" charset="0"/>
+              <a:buChar char="•"/>
+              <a:defRPr sz="1800" kern="1200">
+                <a:solidFill>
+                  <a:schemeClr val="tx1"/>
+                </a:solidFill>
+                <a:latin typeface="+mn-lt"/>
+                <a:ea typeface="+mn-ea"/>
+                <a:cs typeface="+mn-cs"/>
+              </a:defRPr>
+            </a:lvl7pPr>
+            <a:lvl8pPr marL="3429000" indent="-228600" algn="l" defTabSz="914400" rtl="0" eaLnBrk="1" latinLnBrk="0" hangingPunct="1">
+              <a:lnSpc>
+                <a:spcPct val="90000"/>
+              </a:lnSpc>
+              <a:spcBef>
+                <a:spcPts val="500"/>
+              </a:spcBef>
+              <a:buFont typeface="Arial" panose="020B0604020202020204" pitchFamily="34" charset="0"/>
+              <a:buChar char="•"/>
+              <a:defRPr sz="1800" kern="1200">
+                <a:solidFill>
+                  <a:schemeClr val="tx1"/>
+                </a:solidFill>
+                <a:latin typeface="+mn-lt"/>
+                <a:ea typeface="+mn-ea"/>
+                <a:cs typeface="+mn-cs"/>
+              </a:defRPr>
+            </a:lvl8pPr>
+            <a:lvl9pPr marL="3886200" indent="-228600" algn="l" defTabSz="914400" rtl="0" eaLnBrk="1" latinLnBrk="0" hangingPunct="1">
+              <a:lnSpc>
+                <a:spcPct val="90000"/>
+              </a:lnSpc>
+              <a:spcBef>
+                <a:spcPts val="500"/>
+              </a:spcBef>
+              <a:buFont typeface="Arial" panose="020B0604020202020204" pitchFamily="34" charset="0"/>
+              <a:buChar char="•"/>
+              <a:defRPr sz="1800" kern="1200">
+                <a:solidFill>
+                  <a:schemeClr val="tx1"/>
+                </a:solidFill>
+                <a:latin typeface="+mn-lt"/>
+                <a:ea typeface="+mn-ea"/>
+                <a:cs typeface="+mn-cs"/>
+              </a:defRPr>
+            </a:lvl9pPr>
+          </a:lstStyle>
+          <a:p>
+            <a:pPr marL="0" indent="0">
+              <a:buNone/>
+            </a:pPr>
+            <a:r>
+              <a:rPr lang="en-US" sz="3600" dirty="0"/>
+              <a:t>The hybrid model successfully retained some of the top collaborative picks while introducing new recommendations that align closely in genre</a:t>
+            </a:r>
+            <a:endParaRPr lang="en-US" sz="3600" b="1" dirty="0">
               <a:solidFill>
                 <a:schemeClr val="bg1"/>
               </a:solidFill>
-              <a:latin typeface="system-ui"/>
             </a:endParaRPr>
           </a:p>
           <a:p>
-            <a:pPr algn="l"/>
-            <a:r>
-              <a:rPr lang="en-US" dirty="0"/>
-              <a:t>We would love to hear your take on this! Please feel free to get in touch.</a:t>
-            </a:r>
-          </a:p>
-          <a:p>
-            <a:pPr algn="l"/>
-            <a:r>
-              <a:rPr lang="en-US" b="1" dirty="0">
-                <a:solidFill>
-                  <a:schemeClr val="bg1"/>
-                </a:solidFill>
-              </a:rPr>
-              <a:t>Contact Information:</a:t>
-            </a:r>
-          </a:p>
-          <a:p>
-            <a:pPr algn="l"/>
-            <a:r>
-              <a:rPr lang="en-US" b="1" dirty="0">
-                <a:solidFill>
-                  <a:schemeClr val="bg1"/>
-                </a:solidFill>
-              </a:rPr>
-              <a:t>Name: James Gatonye </a:t>
-            </a:r>
-          </a:p>
-          <a:p>
-            <a:pPr algn="l"/>
-            <a:r>
-              <a:rPr lang="en-US" b="1" dirty="0">
-                <a:solidFill>
-                  <a:schemeClr val="bg1"/>
-                </a:solidFill>
-              </a:rPr>
-              <a:t>LinkedIn: </a:t>
-            </a:r>
-            <a:r>
-              <a:rPr lang="en-US" b="1" dirty="0">
-                <a:solidFill>
-                  <a:schemeClr val="bg1"/>
-                </a:solidFill>
-                <a:hlinkClick r:id="rId2"/>
-              </a:rPr>
-              <a:t>https://www.linkedin.com/in/james-gatonye-b5144991/</a:t>
-            </a:r>
             <a:endParaRPr lang="en-US" b="1" dirty="0">
               <a:solidFill>
                 <a:schemeClr val="bg1"/>
@@ -4192,27 +4413,112 @@
             </a:endParaRPr>
           </a:p>
           <a:p>
-            <a:pPr algn="l"/>
             <a:endParaRPr lang="en-US" b="1" dirty="0">
               <a:solidFill>
                 <a:schemeClr val="bg1"/>
               </a:solidFill>
             </a:endParaRPr>
           </a:p>
-          <a:p>
-            <a:pPr algn="l"/>
-            <a:endParaRPr lang="en-US" b="1" dirty="0">
-              <a:solidFill>
-                <a:schemeClr val="bg1"/>
-              </a:solidFill>
-            </a:endParaRPr>
+        </p:txBody>
+      </p:sp>
+      <p:pic>
+        <p:nvPicPr>
+          <p:cNvPr id="7" name="Content Placeholder 6">
+            <a:extLst>
+              <a:ext uri="{FF2B5EF4-FFF2-40B4-BE49-F238E27FC236}">
+                <a16:creationId xmlns:a16="http://schemas.microsoft.com/office/drawing/2014/main" id="{1D0650FB-D3B4-F194-8BCB-BF77E32F3B85}"/>
+              </a:ext>
+            </a:extLst>
+          </p:cNvPr>
+          <p:cNvPicPr>
+            <a:picLocks noGrp="1" noChangeAspect="1"/>
+          </p:cNvPicPr>
+          <p:nvPr>
+            <p:ph idx="1"/>
+          </p:nvPr>
+        </p:nvPicPr>
+        <p:blipFill>
+          <a:blip r:embed="rId2">
+            <a:extLst>
+              <a:ext uri="{28A0092B-C50C-407E-A947-70E740481C1C}">
+                <a14:useLocalDpi xmlns:a14="http://schemas.microsoft.com/office/drawing/2010/main" val="0"/>
+              </a:ext>
+            </a:extLst>
+          </a:blip>
+          <a:stretch>
+            <a:fillRect/>
+          </a:stretch>
+        </p:blipFill>
+        <p:spPr>
+          <a:xfrm>
+            <a:off x="838200" y="3223069"/>
+            <a:ext cx="5983224" cy="3506915"/>
+          </a:xfrm>
+        </p:spPr>
+      </p:pic>
+      <p:sp>
+        <p:nvSpPr>
+          <p:cNvPr id="4" name="Title 1">
+            <a:extLst>
+              <a:ext uri="{FF2B5EF4-FFF2-40B4-BE49-F238E27FC236}">
+                <a16:creationId xmlns:a16="http://schemas.microsoft.com/office/drawing/2014/main" id="{083B220B-E61D-3309-E2D7-0AEDD8E31AA8}"/>
+              </a:ext>
+            </a:extLst>
+          </p:cNvPr>
+          <p:cNvSpPr>
+            <a:spLocks noGrp="1"/>
+          </p:cNvSpPr>
+          <p:nvPr>
+            <p:ph type="title"/>
+          </p:nvPr>
+        </p:nvSpPr>
+        <p:spPr>
+          <a:xfrm>
+            <a:off x="838200" y="365125"/>
+            <a:ext cx="10515600" cy="1280795"/>
+          </a:xfrm>
+          <a:solidFill>
+            <a:schemeClr val="accent1"/>
+          </a:solidFill>
+        </p:spPr>
+        <p:txBody>
+          <a:bodyPr>
+            <a:normAutofit fontScale="90000"/>
+          </a:bodyPr>
+          <a:lstStyle/>
+          <a:p>
+            <a:pPr algn="ctr"/>
+            <a:br>
+              <a:rPr lang="en-US" b="1" i="0" dirty="0">
+                <a:solidFill>
+                  <a:schemeClr val="bg1"/>
+                </a:solidFill>
+                <a:effectLst/>
+                <a:latin typeface="system-ui"/>
+              </a:rPr>
+            </a:br>
+            <a:r>
+              <a:rPr lang="en-US" sz="5300" b="1" dirty="0">
+                <a:solidFill>
+                  <a:schemeClr val="bg1"/>
+                </a:solidFill>
+              </a:rPr>
+              <a:t>Comparing SVD and Hybrid models Top 5 Recommendations for a User</a:t>
+            </a:r>
+            <a:br>
+              <a:rPr lang="en-US" b="1" i="0" dirty="0">
+                <a:effectLst/>
+                <a:latin typeface="system-ui"/>
+              </a:rPr>
+            </a:br>
+            <a:endParaRPr lang="en-US" dirty="0"/>
           </a:p>
         </p:txBody>
       </p:sp>
     </p:spTree>
     <p:extLst>
       <p:ext uri="{BB962C8B-B14F-4D97-AF65-F5344CB8AC3E}">
-        <p14:creationId xmlns:p14="http://schemas.microsoft.com/office/powerpoint/2010/main" val="1716295776"/>
+        <p14:creationId xmlns:p14="http://schemas.microsoft.com/office/powerpoint/2010/main" val="3050490853"/>
       </p:ext>
     </p:extLst>
   </p:cSld>
@@ -4222,1285 +4528,7 @@
 </p:sld>
 </file>
 
-<file path=ppt/slides/slide2.xml><?xml version="1.0" encoding="utf-8"?>
-<p:sld xmlns:a="http://schemas.openxmlformats.org/drawingml/2006/main" xmlns:r="http://schemas.openxmlformats.org/officeDocument/2006/relationships" xmlns:p="http://schemas.openxmlformats.org/presentationml/2006/main">
-  <p:cSld>
-    <p:spTree>
-      <p:nvGrpSpPr>
-        <p:cNvPr id="1" name=""/>
-        <p:cNvGrpSpPr/>
-        <p:nvPr/>
-      </p:nvGrpSpPr>
-      <p:grpSpPr>
-        <a:xfrm>
-          <a:off x="0" y="0"/>
-          <a:ext cx="0" cy="0"/>
-          <a:chOff x="0" y="0"/>
-          <a:chExt cx="0" cy="0"/>
-        </a:xfrm>
-      </p:grpSpPr>
-      <p:sp>
-        <p:nvSpPr>
-          <p:cNvPr id="2" name="Title 1">
-            <a:extLst>
-              <a:ext uri="{FF2B5EF4-FFF2-40B4-BE49-F238E27FC236}">
-                <a16:creationId xmlns:a16="http://schemas.microsoft.com/office/drawing/2014/main" id="{36DC95B4-040E-CFB3-1138-E11479FCC903}"/>
-              </a:ext>
-            </a:extLst>
-          </p:cNvPr>
-          <p:cNvSpPr>
-            <a:spLocks noGrp="1"/>
-          </p:cNvSpPr>
-          <p:nvPr>
-            <p:ph type="title"/>
-          </p:nvPr>
-        </p:nvSpPr>
-        <p:spPr>
-          <a:solidFill>
-            <a:schemeClr val="accent1"/>
-          </a:solidFill>
-        </p:spPr>
-        <p:txBody>
-          <a:bodyPr/>
-          <a:lstStyle/>
-          <a:p>
-            <a:pPr algn="ctr"/>
-            <a:r>
-              <a:rPr lang="en-US" b="1" dirty="0">
-                <a:solidFill>
-                  <a:schemeClr val="bg1"/>
-                </a:solidFill>
-              </a:rPr>
-              <a:t>Project Overview</a:t>
-            </a:r>
-            <a:endParaRPr lang="en-US" dirty="0">
-              <a:solidFill>
-                <a:schemeClr val="bg1"/>
-              </a:solidFill>
-            </a:endParaRPr>
-          </a:p>
-        </p:txBody>
-      </p:sp>
-      <p:sp>
-        <p:nvSpPr>
-          <p:cNvPr id="3" name="Content Placeholder 2">
-            <a:extLst>
-              <a:ext uri="{FF2B5EF4-FFF2-40B4-BE49-F238E27FC236}">
-                <a16:creationId xmlns:a16="http://schemas.microsoft.com/office/drawing/2014/main" id="{501231CA-6AB0-3353-7C1E-06AA4F37E79E}"/>
-              </a:ext>
-            </a:extLst>
-          </p:cNvPr>
-          <p:cNvSpPr>
-            <a:spLocks noGrp="1"/>
-          </p:cNvSpPr>
-          <p:nvPr>
-            <p:ph idx="1"/>
-          </p:nvPr>
-        </p:nvSpPr>
-        <p:spPr>
-          <a:xfrm>
-            <a:off x="838200" y="1816998"/>
-            <a:ext cx="10515600" cy="4351338"/>
-          </a:xfrm>
-          <a:gradFill>
-            <a:gsLst>
-              <a:gs pos="0">
-                <a:schemeClr val="accent4">
-                  <a:lumMod val="20000"/>
-                  <a:lumOff val="80000"/>
-                </a:schemeClr>
-              </a:gs>
-              <a:gs pos="74000">
-                <a:schemeClr val="accent1">
-                  <a:lumMod val="45000"/>
-                  <a:lumOff val="55000"/>
-                </a:schemeClr>
-              </a:gs>
-              <a:gs pos="83000">
-                <a:schemeClr val="accent1">
-                  <a:lumMod val="45000"/>
-                  <a:lumOff val="55000"/>
-                </a:schemeClr>
-              </a:gs>
-              <a:gs pos="100000">
-                <a:schemeClr val="accent1">
-                  <a:lumMod val="30000"/>
-                  <a:lumOff val="70000"/>
-                </a:schemeClr>
-              </a:gs>
-            </a:gsLst>
-            <a:lin ang="5400000" scaled="1"/>
-          </a:gradFill>
-        </p:spPr>
-        <p:txBody>
-          <a:bodyPr>
-            <a:normAutofit/>
-          </a:bodyPr>
-          <a:lstStyle/>
-          <a:p>
-            <a:pPr>
-              <a:buFont typeface="Wingdings" panose="05000000000000000000" pitchFamily="2" charset="2"/>
-              <a:buChar char="v"/>
-            </a:pPr>
-            <a:r>
-              <a:rPr lang="en-US" sz="3200" dirty="0"/>
-              <a:t>Developed a recommendation system using the MovieLens 32M dataset.</a:t>
-            </a:r>
-          </a:p>
-          <a:p>
-            <a:pPr marL="0" indent="0">
-              <a:buNone/>
-            </a:pPr>
-            <a:endParaRPr lang="en-US" sz="3200" dirty="0"/>
-          </a:p>
-          <a:p>
-            <a:pPr>
-              <a:buFont typeface="Wingdings" panose="05000000000000000000" pitchFamily="2" charset="2"/>
-              <a:buChar char="v"/>
-            </a:pPr>
-            <a:r>
-              <a:rPr lang="en-US" sz="3200" dirty="0"/>
-              <a:t>Goal: Suggest top 5 movies to users based on past ratings.</a:t>
-            </a:r>
-          </a:p>
-          <a:p>
-            <a:pPr marL="0" indent="0">
-              <a:buNone/>
-            </a:pPr>
-            <a:endParaRPr lang="en-US" sz="3200" dirty="0"/>
-          </a:p>
-          <a:p>
-            <a:pPr>
-              <a:buFont typeface="Wingdings" panose="05000000000000000000" pitchFamily="2" charset="2"/>
-              <a:buChar char="v"/>
-            </a:pPr>
-            <a:r>
-              <a:rPr lang="en-US" sz="3200" dirty="0"/>
-              <a:t>Models used: KNNBasic (baseline) and SVD (final model).</a:t>
-            </a:r>
-          </a:p>
-          <a:p>
-            <a:pPr marL="0" indent="0">
-              <a:buNone/>
-            </a:pPr>
-            <a:endParaRPr lang="en-US" sz="3200" b="0" i="0" dirty="0">
-              <a:effectLst/>
-              <a:latin typeface="system-ui"/>
-            </a:endParaRPr>
-          </a:p>
-        </p:txBody>
-      </p:sp>
-    </p:spTree>
-    <p:extLst>
-      <p:ext uri="{BB962C8B-B14F-4D97-AF65-F5344CB8AC3E}">
-        <p14:creationId xmlns:p14="http://schemas.microsoft.com/office/powerpoint/2010/main" val="724649777"/>
-      </p:ext>
-    </p:extLst>
-  </p:cSld>
-  <p:clrMapOvr>
-    <a:masterClrMapping/>
-  </p:clrMapOvr>
-</p:sld>
-</file>
-
-<file path=ppt/slides/slide3.xml><?xml version="1.0" encoding="utf-8"?>
-<p:sld xmlns:a="http://schemas.openxmlformats.org/drawingml/2006/main" xmlns:r="http://schemas.openxmlformats.org/officeDocument/2006/relationships" xmlns:p="http://schemas.openxmlformats.org/presentationml/2006/main">
-  <p:cSld>
-    <p:spTree>
-      <p:nvGrpSpPr>
-        <p:cNvPr id="1" name=""/>
-        <p:cNvGrpSpPr/>
-        <p:nvPr/>
-      </p:nvGrpSpPr>
-      <p:grpSpPr>
-        <a:xfrm>
-          <a:off x="0" y="0"/>
-          <a:ext cx="0" cy="0"/>
-          <a:chOff x="0" y="0"/>
-          <a:chExt cx="0" cy="0"/>
-        </a:xfrm>
-      </p:grpSpPr>
-      <p:sp>
-        <p:nvSpPr>
-          <p:cNvPr id="3" name="Subtitle 2">
-            <a:extLst>
-              <a:ext uri="{FF2B5EF4-FFF2-40B4-BE49-F238E27FC236}">
-                <a16:creationId xmlns:a16="http://schemas.microsoft.com/office/drawing/2014/main" id="{64E27335-631F-F57D-8BB3-2BBC8597AA10}"/>
-              </a:ext>
-            </a:extLst>
-          </p:cNvPr>
-          <p:cNvSpPr>
-            <a:spLocks noGrp="1"/>
-          </p:cNvSpPr>
-          <p:nvPr>
-            <p:ph type="subTitle" idx="1"/>
-          </p:nvPr>
-        </p:nvSpPr>
-        <p:spPr>
-          <a:xfrm>
-            <a:off x="838200" y="2106202"/>
-            <a:ext cx="10515600" cy="4253501"/>
-          </a:xfrm>
-          <a:gradFill>
-            <a:gsLst>
-              <a:gs pos="0">
-                <a:schemeClr val="accent4">
-                  <a:lumMod val="20000"/>
-                  <a:lumOff val="80000"/>
-                </a:schemeClr>
-              </a:gs>
-              <a:gs pos="74000">
-                <a:schemeClr val="accent1">
-                  <a:lumMod val="45000"/>
-                  <a:lumOff val="55000"/>
-                </a:schemeClr>
-              </a:gs>
-              <a:gs pos="83000">
-                <a:schemeClr val="accent1">
-                  <a:lumMod val="45000"/>
-                  <a:lumOff val="55000"/>
-                </a:schemeClr>
-              </a:gs>
-              <a:gs pos="100000">
-                <a:schemeClr val="accent1">
-                  <a:lumMod val="30000"/>
-                  <a:lumOff val="70000"/>
-                </a:schemeClr>
-              </a:gs>
-            </a:gsLst>
-            <a:lin ang="5400000" scaled="1"/>
-          </a:gradFill>
-        </p:spPr>
-        <p:txBody>
-          <a:bodyPr>
-            <a:normAutofit/>
-          </a:bodyPr>
-          <a:lstStyle/>
-          <a:p>
-            <a:pPr marL="457200" indent="-457200" algn="l">
-              <a:buFont typeface="Wingdings" panose="05000000000000000000" pitchFamily="2" charset="2"/>
-              <a:buChar char="v"/>
-            </a:pPr>
-            <a:r>
-              <a:rPr lang="en-US" sz="3200" dirty="0">
-                <a:latin typeface="system-ui"/>
-              </a:rPr>
-              <a:t>Users face decision fatigue due to too many content choices.</a:t>
-            </a:r>
-          </a:p>
-          <a:p>
-            <a:pPr algn="l"/>
-            <a:endParaRPr lang="en-US" sz="3200" dirty="0">
-              <a:latin typeface="system-ui"/>
-            </a:endParaRPr>
-          </a:p>
-          <a:p>
-            <a:pPr marL="457200" indent="-457200" algn="l">
-              <a:buFont typeface="Wingdings" panose="05000000000000000000" pitchFamily="2" charset="2"/>
-              <a:buChar char="v"/>
-            </a:pPr>
-            <a:r>
-              <a:rPr lang="en-US" sz="3200" dirty="0">
-                <a:latin typeface="system-ui"/>
-              </a:rPr>
-              <a:t>Streaming platforms benefit from recommending relevant content.</a:t>
-            </a:r>
-          </a:p>
-          <a:p>
-            <a:pPr algn="l"/>
-            <a:endParaRPr lang="en-US" sz="3200" dirty="0">
-              <a:latin typeface="system-ui"/>
-            </a:endParaRPr>
-          </a:p>
-          <a:p>
-            <a:pPr marL="457200" indent="-457200" algn="l">
-              <a:buFont typeface="Wingdings" panose="05000000000000000000" pitchFamily="2" charset="2"/>
-              <a:buChar char="v"/>
-            </a:pPr>
-            <a:r>
-              <a:rPr lang="en-US" sz="3200" dirty="0">
-                <a:latin typeface="system-ui"/>
-              </a:rPr>
-              <a:t>Improves user satisfaction, engagement, and retention.</a:t>
-            </a:r>
-          </a:p>
-          <a:p>
-            <a:endParaRPr lang="en-US" dirty="0"/>
-          </a:p>
-        </p:txBody>
-      </p:sp>
-      <p:sp>
-        <p:nvSpPr>
-          <p:cNvPr id="4" name="Title 1">
-            <a:extLst>
-              <a:ext uri="{FF2B5EF4-FFF2-40B4-BE49-F238E27FC236}">
-                <a16:creationId xmlns:a16="http://schemas.microsoft.com/office/drawing/2014/main" id="{0185583A-75B5-3E87-7639-6CE8E4974297}"/>
-              </a:ext>
-            </a:extLst>
-          </p:cNvPr>
-          <p:cNvSpPr txBox="1">
-            <a:spLocks/>
-          </p:cNvSpPr>
-          <p:nvPr/>
-        </p:nvSpPr>
-        <p:spPr>
-          <a:xfrm>
-            <a:off x="838200" y="570609"/>
-            <a:ext cx="10515600" cy="1325563"/>
-          </a:xfrm>
-          <a:prstGeom prst="rect">
-            <a:avLst/>
-          </a:prstGeom>
-          <a:solidFill>
-            <a:schemeClr val="accent1"/>
-          </a:solidFill>
-        </p:spPr>
-        <p:txBody>
-          <a:bodyPr vert="horz" lIns="91440" tIns="45720" rIns="91440" bIns="45720" rtlCol="0" anchor="b">
-            <a:normAutofit/>
-          </a:bodyPr>
-          <a:lstStyle>
-            <a:lvl1pPr algn="ctr" defTabSz="914400" rtl="0" eaLnBrk="1" latinLnBrk="0" hangingPunct="1">
-              <a:lnSpc>
-                <a:spcPct val="90000"/>
-              </a:lnSpc>
-              <a:spcBef>
-                <a:spcPct val="0"/>
-              </a:spcBef>
-              <a:buNone/>
-              <a:defRPr sz="6000" kern="1200">
-                <a:solidFill>
-                  <a:schemeClr val="tx1"/>
-                </a:solidFill>
-                <a:latin typeface="+mj-lt"/>
-                <a:ea typeface="+mj-ea"/>
-                <a:cs typeface="+mj-cs"/>
-              </a:defRPr>
-            </a:lvl1pPr>
-          </a:lstStyle>
-          <a:p>
-            <a:r>
-              <a:rPr lang="en-US" b="1" dirty="0">
-                <a:solidFill>
-                  <a:schemeClr val="bg1"/>
-                </a:solidFill>
-              </a:rPr>
-              <a:t>Business Understanding</a:t>
-            </a:r>
-            <a:endParaRPr lang="en-US" dirty="0">
-              <a:solidFill>
-                <a:schemeClr val="bg1"/>
-              </a:solidFill>
-            </a:endParaRPr>
-          </a:p>
-        </p:txBody>
-      </p:sp>
-    </p:spTree>
-    <p:extLst>
-      <p:ext uri="{BB962C8B-B14F-4D97-AF65-F5344CB8AC3E}">
-        <p14:creationId xmlns:p14="http://schemas.microsoft.com/office/powerpoint/2010/main" val="2257940759"/>
-      </p:ext>
-    </p:extLst>
-  </p:cSld>
-  <p:clrMapOvr>
-    <a:masterClrMapping/>
-  </p:clrMapOvr>
-</p:sld>
-</file>
-
-<file path=ppt/slides/slide4.xml><?xml version="1.0" encoding="utf-8"?>
-<p:sld xmlns:a="http://schemas.openxmlformats.org/drawingml/2006/main" xmlns:r="http://schemas.openxmlformats.org/officeDocument/2006/relationships" xmlns:p="http://schemas.openxmlformats.org/presentationml/2006/main">
-  <p:cSld>
-    <p:spTree>
-      <p:nvGrpSpPr>
-        <p:cNvPr id="1" name=""/>
-        <p:cNvGrpSpPr/>
-        <p:nvPr/>
-      </p:nvGrpSpPr>
-      <p:grpSpPr>
-        <a:xfrm>
-          <a:off x="0" y="0"/>
-          <a:ext cx="0" cy="0"/>
-          <a:chOff x="0" y="0"/>
-          <a:chExt cx="0" cy="0"/>
-        </a:xfrm>
-      </p:grpSpPr>
-      <p:sp>
-        <p:nvSpPr>
-          <p:cNvPr id="2" name="Title 1">
-            <a:extLst>
-              <a:ext uri="{FF2B5EF4-FFF2-40B4-BE49-F238E27FC236}">
-                <a16:creationId xmlns:a16="http://schemas.microsoft.com/office/drawing/2014/main" id="{C2420921-EDD5-FCC9-6D19-27AB1F5F5C7D}"/>
-              </a:ext>
-            </a:extLst>
-          </p:cNvPr>
-          <p:cNvSpPr>
-            <a:spLocks noGrp="1"/>
-          </p:cNvSpPr>
-          <p:nvPr>
-            <p:ph type="ctrTitle"/>
-          </p:nvPr>
-        </p:nvSpPr>
-        <p:spPr>
-          <a:xfrm>
-            <a:off x="976045" y="567561"/>
-            <a:ext cx="10099497" cy="1333157"/>
-          </a:xfrm>
-          <a:solidFill>
-            <a:schemeClr val="accent1"/>
-          </a:solidFill>
-        </p:spPr>
-        <p:txBody>
-          <a:bodyPr/>
-          <a:lstStyle/>
-          <a:p>
-            <a:r>
-              <a:rPr lang="en-US" b="1" dirty="0">
-                <a:solidFill>
-                  <a:schemeClr val="bg1"/>
-                </a:solidFill>
-              </a:rPr>
-              <a:t>Data Overview</a:t>
-            </a:r>
-          </a:p>
-        </p:txBody>
-      </p:sp>
-      <p:sp>
-        <p:nvSpPr>
-          <p:cNvPr id="3" name="Subtitle 2">
-            <a:extLst>
-              <a:ext uri="{FF2B5EF4-FFF2-40B4-BE49-F238E27FC236}">
-                <a16:creationId xmlns:a16="http://schemas.microsoft.com/office/drawing/2014/main" id="{523179F7-A1B2-DF0F-536E-44CAFF8A577C}"/>
-              </a:ext>
-            </a:extLst>
-          </p:cNvPr>
-          <p:cNvSpPr>
-            <a:spLocks noGrp="1"/>
-          </p:cNvSpPr>
-          <p:nvPr>
-            <p:ph type="subTitle" idx="1"/>
-          </p:nvPr>
-        </p:nvSpPr>
-        <p:spPr>
-          <a:xfrm>
-            <a:off x="976045" y="2003459"/>
-            <a:ext cx="10099497" cy="4078842"/>
-          </a:xfrm>
-          <a:gradFill>
-            <a:gsLst>
-              <a:gs pos="0">
-                <a:schemeClr val="accent4">
-                  <a:lumMod val="20000"/>
-                  <a:lumOff val="80000"/>
-                </a:schemeClr>
-              </a:gs>
-              <a:gs pos="74000">
-                <a:schemeClr val="accent1">
-                  <a:lumMod val="45000"/>
-                  <a:lumOff val="55000"/>
-                </a:schemeClr>
-              </a:gs>
-              <a:gs pos="83000">
-                <a:schemeClr val="accent1">
-                  <a:lumMod val="45000"/>
-                  <a:lumOff val="55000"/>
-                </a:schemeClr>
-              </a:gs>
-              <a:gs pos="100000">
-                <a:schemeClr val="accent1">
-                  <a:lumMod val="30000"/>
-                  <a:lumOff val="70000"/>
-                </a:schemeClr>
-              </a:gs>
-            </a:gsLst>
-            <a:lin ang="5400000" scaled="1"/>
-          </a:gradFill>
-        </p:spPr>
-        <p:txBody>
-          <a:bodyPr>
-            <a:noAutofit/>
-          </a:bodyPr>
-          <a:lstStyle/>
-          <a:p>
-            <a:pPr marL="342900" indent="-342900" algn="l">
-              <a:buFont typeface="Wingdings" panose="05000000000000000000" pitchFamily="2" charset="2"/>
-              <a:buChar char="v"/>
-            </a:pPr>
-            <a:r>
-              <a:rPr lang="en-US" sz="3200" dirty="0"/>
-              <a:t> MovieLens 32M dataset: 200K users, 87K movies, 32M ratings.</a:t>
-            </a:r>
-          </a:p>
-          <a:p>
-            <a:pPr algn="l"/>
-            <a:endParaRPr lang="en-US" sz="3200" dirty="0"/>
-          </a:p>
-          <a:p>
-            <a:pPr marL="342900" indent="-342900" algn="l">
-              <a:buFont typeface="Wingdings" panose="05000000000000000000" pitchFamily="2" charset="2"/>
-              <a:buChar char="v"/>
-            </a:pPr>
-            <a:r>
-              <a:rPr lang="en-US" sz="3200" dirty="0"/>
-              <a:t>Features used: UserId, movieId, rating, movie title.</a:t>
-            </a:r>
-          </a:p>
-          <a:p>
-            <a:pPr algn="l"/>
-            <a:endParaRPr lang="en-US" sz="3200" dirty="0"/>
-          </a:p>
-          <a:p>
-            <a:pPr marL="342900" indent="-342900" algn="l">
-              <a:buFont typeface="Wingdings" panose="05000000000000000000" pitchFamily="2" charset="2"/>
-              <a:buChar char="v"/>
-            </a:pPr>
-            <a:r>
-              <a:rPr lang="en-US" sz="3200" dirty="0"/>
-              <a:t>Filtered to active users (≥20 ratings) and movies (≥50 ratings).</a:t>
-            </a:r>
-          </a:p>
-          <a:p>
-            <a:pPr marL="342900" indent="-342900" algn="l">
-              <a:buFont typeface="Wingdings" panose="05000000000000000000" pitchFamily="2" charset="2"/>
-              <a:buChar char="v"/>
-            </a:pPr>
-            <a:endParaRPr lang="en-US" sz="3200" dirty="0"/>
-          </a:p>
-          <a:p>
-            <a:pPr algn="l"/>
-            <a:endParaRPr lang="en-US" sz="3200" dirty="0"/>
-          </a:p>
-        </p:txBody>
-      </p:sp>
-    </p:spTree>
-    <p:extLst>
-      <p:ext uri="{BB962C8B-B14F-4D97-AF65-F5344CB8AC3E}">
-        <p14:creationId xmlns:p14="http://schemas.microsoft.com/office/powerpoint/2010/main" val="3149556908"/>
-      </p:ext>
-    </p:extLst>
-  </p:cSld>
-  <p:clrMapOvr>
-    <a:masterClrMapping/>
-  </p:clrMapOvr>
-</p:sld>
-</file>
-
-<file path=ppt/slides/slide5.xml><?xml version="1.0" encoding="utf-8"?>
-<p:sld xmlns:a="http://schemas.openxmlformats.org/drawingml/2006/main" xmlns:r="http://schemas.openxmlformats.org/officeDocument/2006/relationships" xmlns:p="http://schemas.openxmlformats.org/presentationml/2006/main">
-  <p:cSld>
-    <p:spTree>
-      <p:nvGrpSpPr>
-        <p:cNvPr id="1" name=""/>
-        <p:cNvGrpSpPr/>
-        <p:nvPr/>
-      </p:nvGrpSpPr>
-      <p:grpSpPr>
-        <a:xfrm>
-          <a:off x="0" y="0"/>
-          <a:ext cx="0" cy="0"/>
-          <a:chOff x="0" y="0"/>
-          <a:chExt cx="0" cy="0"/>
-        </a:xfrm>
-      </p:grpSpPr>
-      <p:sp>
-        <p:nvSpPr>
-          <p:cNvPr id="2" name="Title 1">
-            <a:extLst>
-              <a:ext uri="{FF2B5EF4-FFF2-40B4-BE49-F238E27FC236}">
-                <a16:creationId xmlns:a16="http://schemas.microsoft.com/office/drawing/2014/main" id="{B83DB043-F1CB-F898-56D2-34C7B30B07E8}"/>
-              </a:ext>
-            </a:extLst>
-          </p:cNvPr>
-          <p:cNvSpPr>
-            <a:spLocks noGrp="1"/>
-          </p:cNvSpPr>
-          <p:nvPr>
-            <p:ph type="ctrTitle"/>
-          </p:nvPr>
-        </p:nvSpPr>
-        <p:spPr>
-          <a:xfrm>
-            <a:off x="1006867" y="495641"/>
-            <a:ext cx="10037851" cy="1250967"/>
-          </a:xfrm>
-          <a:solidFill>
-            <a:schemeClr val="accent1"/>
-          </a:solidFill>
-        </p:spPr>
-        <p:txBody>
-          <a:bodyPr/>
-          <a:lstStyle/>
-          <a:p>
-            <a:r>
-              <a:rPr lang="en-US" b="1" dirty="0">
-                <a:solidFill>
-                  <a:schemeClr val="bg1"/>
-                </a:solidFill>
-              </a:rPr>
-              <a:t>Data Preparation</a:t>
-            </a:r>
-          </a:p>
-        </p:txBody>
-      </p:sp>
-      <p:sp>
-        <p:nvSpPr>
-          <p:cNvPr id="3" name="Subtitle 2">
-            <a:extLst>
-              <a:ext uri="{FF2B5EF4-FFF2-40B4-BE49-F238E27FC236}">
-                <a16:creationId xmlns:a16="http://schemas.microsoft.com/office/drawing/2014/main" id="{8CEFFA2B-52E5-650A-7744-81AA8A06E0CB}"/>
-              </a:ext>
-            </a:extLst>
-          </p:cNvPr>
-          <p:cNvSpPr>
-            <a:spLocks noGrp="1"/>
-          </p:cNvSpPr>
-          <p:nvPr>
-            <p:ph type="subTitle" idx="1"/>
-          </p:nvPr>
-        </p:nvSpPr>
-        <p:spPr>
-          <a:xfrm>
-            <a:off x="1006867" y="1880174"/>
-            <a:ext cx="10037851" cy="4366514"/>
-          </a:xfrm>
-          <a:gradFill>
-            <a:gsLst>
-              <a:gs pos="0">
-                <a:schemeClr val="accent4">
-                  <a:lumMod val="20000"/>
-                  <a:lumOff val="80000"/>
-                </a:schemeClr>
-              </a:gs>
-              <a:gs pos="74000">
-                <a:schemeClr val="accent1">
-                  <a:lumMod val="45000"/>
-                  <a:lumOff val="55000"/>
-                </a:schemeClr>
-              </a:gs>
-              <a:gs pos="83000">
-                <a:schemeClr val="accent1">
-                  <a:lumMod val="45000"/>
-                  <a:lumOff val="55000"/>
-                </a:schemeClr>
-              </a:gs>
-              <a:gs pos="100000">
-                <a:schemeClr val="accent1">
-                  <a:lumMod val="30000"/>
-                  <a:lumOff val="70000"/>
-                </a:schemeClr>
-              </a:gs>
-            </a:gsLst>
-            <a:lin ang="5400000" scaled="1"/>
-          </a:gradFill>
-        </p:spPr>
-        <p:txBody>
-          <a:bodyPr>
-            <a:normAutofit/>
-          </a:bodyPr>
-          <a:lstStyle/>
-          <a:p>
-            <a:pPr marL="571500" indent="-571500" algn="l">
-              <a:buFont typeface="Wingdings" panose="05000000000000000000" pitchFamily="2" charset="2"/>
-              <a:buChar char="v"/>
-            </a:pPr>
-            <a:r>
-              <a:rPr lang="en-US" sz="3600" dirty="0"/>
-              <a:t>Merged ratings with movie metadata.</a:t>
-            </a:r>
-          </a:p>
-          <a:p>
-            <a:pPr algn="l"/>
-            <a:endParaRPr lang="en-US" sz="3600" dirty="0"/>
-          </a:p>
-          <a:p>
-            <a:pPr marL="571500" indent="-571500" algn="l">
-              <a:buFont typeface="Wingdings" panose="05000000000000000000" pitchFamily="2" charset="2"/>
-              <a:buChar char="v"/>
-            </a:pPr>
-            <a:r>
-              <a:rPr lang="en-US" sz="3600" dirty="0"/>
-              <a:t>Removed noise and filtered low-activity users/movies.</a:t>
-            </a:r>
-          </a:p>
-          <a:p>
-            <a:pPr algn="l"/>
-            <a:endParaRPr lang="en-US" sz="3600" dirty="0"/>
-          </a:p>
-          <a:p>
-            <a:pPr marL="571500" indent="-571500" algn="l">
-              <a:buFont typeface="Wingdings" panose="05000000000000000000" pitchFamily="2" charset="2"/>
-              <a:buChar char="v"/>
-            </a:pPr>
-            <a:r>
-              <a:rPr lang="en-US" sz="3600" dirty="0"/>
-              <a:t>Prepared Surprise-compatible format for modeling.</a:t>
-            </a:r>
-          </a:p>
-          <a:p>
-            <a:pPr algn="l"/>
-            <a:endParaRPr lang="en-US" sz="3200" dirty="0"/>
-          </a:p>
-        </p:txBody>
-      </p:sp>
-    </p:spTree>
-    <p:extLst>
-      <p:ext uri="{BB962C8B-B14F-4D97-AF65-F5344CB8AC3E}">
-        <p14:creationId xmlns:p14="http://schemas.microsoft.com/office/powerpoint/2010/main" val="3189740655"/>
-      </p:ext>
-    </p:extLst>
-  </p:cSld>
-  <p:clrMapOvr>
-    <a:masterClrMapping/>
-  </p:clrMapOvr>
-</p:sld>
-</file>
-
-<file path=ppt/slides/slide6.xml><?xml version="1.0" encoding="utf-8"?>
-<p:sld xmlns:a="http://schemas.openxmlformats.org/drawingml/2006/main" xmlns:r="http://schemas.openxmlformats.org/officeDocument/2006/relationships" xmlns:p="http://schemas.openxmlformats.org/presentationml/2006/main">
-  <p:cSld>
-    <p:spTree>
-      <p:nvGrpSpPr>
-        <p:cNvPr id="1" name="">
-          <a:extLst>
-            <a:ext uri="{FF2B5EF4-FFF2-40B4-BE49-F238E27FC236}">
-              <a16:creationId xmlns:a16="http://schemas.microsoft.com/office/drawing/2014/main" id="{607B9DF6-6C9E-3E67-10EF-3596113B3737}"/>
-            </a:ext>
-          </a:extLst>
-        </p:cNvPr>
-        <p:cNvGrpSpPr/>
-        <p:nvPr/>
-      </p:nvGrpSpPr>
-      <p:grpSpPr>
-        <a:xfrm>
-          <a:off x="0" y="0"/>
-          <a:ext cx="0" cy="0"/>
-          <a:chOff x="0" y="0"/>
-          <a:chExt cx="0" cy="0"/>
-        </a:xfrm>
-      </p:grpSpPr>
-      <p:sp>
-        <p:nvSpPr>
-          <p:cNvPr id="2" name="Title 1">
-            <a:extLst>
-              <a:ext uri="{FF2B5EF4-FFF2-40B4-BE49-F238E27FC236}">
-                <a16:creationId xmlns:a16="http://schemas.microsoft.com/office/drawing/2014/main" id="{2ED9B608-2165-052B-6521-F0FB052127B7}"/>
-              </a:ext>
-            </a:extLst>
-          </p:cNvPr>
-          <p:cNvSpPr>
-            <a:spLocks noGrp="1"/>
-          </p:cNvSpPr>
-          <p:nvPr>
-            <p:ph type="ctrTitle"/>
-          </p:nvPr>
-        </p:nvSpPr>
-        <p:spPr>
-          <a:xfrm>
-            <a:off x="1006867" y="495641"/>
-            <a:ext cx="10037851" cy="1250967"/>
-          </a:xfrm>
-          <a:solidFill>
-            <a:schemeClr val="accent1"/>
-          </a:solidFill>
-        </p:spPr>
-        <p:txBody>
-          <a:bodyPr/>
-          <a:lstStyle/>
-          <a:p>
-            <a:r>
-              <a:rPr lang="en-US" b="1" dirty="0">
-                <a:solidFill>
-                  <a:schemeClr val="bg1"/>
-                </a:solidFill>
-              </a:rPr>
-              <a:t>Modeling Approach</a:t>
-            </a:r>
-          </a:p>
-        </p:txBody>
-      </p:sp>
-      <p:sp>
-        <p:nvSpPr>
-          <p:cNvPr id="3" name="Subtitle 2">
-            <a:extLst>
-              <a:ext uri="{FF2B5EF4-FFF2-40B4-BE49-F238E27FC236}">
-                <a16:creationId xmlns:a16="http://schemas.microsoft.com/office/drawing/2014/main" id="{A231F761-403D-E73A-F04D-52DEA85531F4}"/>
-              </a:ext>
-            </a:extLst>
-          </p:cNvPr>
-          <p:cNvSpPr>
-            <a:spLocks noGrp="1"/>
-          </p:cNvSpPr>
-          <p:nvPr>
-            <p:ph type="subTitle" idx="1"/>
-          </p:nvPr>
-        </p:nvSpPr>
-        <p:spPr>
-          <a:xfrm>
-            <a:off x="1006867" y="1880174"/>
-            <a:ext cx="10037851" cy="4366514"/>
-          </a:xfrm>
-          <a:gradFill>
-            <a:gsLst>
-              <a:gs pos="0">
-                <a:schemeClr val="accent4">
-                  <a:lumMod val="20000"/>
-                  <a:lumOff val="80000"/>
-                </a:schemeClr>
-              </a:gs>
-              <a:gs pos="74000">
-                <a:schemeClr val="accent1">
-                  <a:lumMod val="45000"/>
-                  <a:lumOff val="55000"/>
-                </a:schemeClr>
-              </a:gs>
-              <a:gs pos="83000">
-                <a:schemeClr val="accent1">
-                  <a:lumMod val="45000"/>
-                  <a:lumOff val="55000"/>
-                </a:schemeClr>
-              </a:gs>
-              <a:gs pos="100000">
-                <a:schemeClr val="accent1">
-                  <a:lumMod val="30000"/>
-                  <a:lumOff val="70000"/>
-                </a:schemeClr>
-              </a:gs>
-            </a:gsLst>
-            <a:lin ang="5400000" scaled="1"/>
-          </a:gradFill>
-        </p:spPr>
-        <p:txBody>
-          <a:bodyPr>
-            <a:normAutofit/>
-          </a:bodyPr>
-          <a:lstStyle/>
-          <a:p>
-            <a:pPr marL="571500" indent="-571500" algn="l">
-              <a:buFont typeface="Wingdings" panose="05000000000000000000" pitchFamily="2" charset="2"/>
-              <a:buChar char="v"/>
-            </a:pPr>
-            <a:r>
-              <a:rPr lang="en-US" sz="3600" dirty="0"/>
-              <a:t>KNNBasic: item-item collaborative filtering using cosine similarity.</a:t>
-            </a:r>
-          </a:p>
-          <a:p>
-            <a:pPr algn="l"/>
-            <a:endParaRPr lang="en-US" sz="3600" dirty="0"/>
-          </a:p>
-          <a:p>
-            <a:pPr marL="571500" indent="-571500" algn="l">
-              <a:buFont typeface="Wingdings" panose="05000000000000000000" pitchFamily="2" charset="2"/>
-              <a:buChar char="v"/>
-            </a:pPr>
-            <a:r>
-              <a:rPr lang="en-US" sz="3600" dirty="0"/>
-              <a:t>SVD: matrix factorization for latent preferences.</a:t>
-            </a:r>
-          </a:p>
-          <a:p>
-            <a:pPr algn="l"/>
-            <a:endParaRPr lang="en-US" sz="3600" dirty="0"/>
-          </a:p>
-          <a:p>
-            <a:pPr marL="571500" indent="-571500" algn="l">
-              <a:buFont typeface="Wingdings" panose="05000000000000000000" pitchFamily="2" charset="2"/>
-              <a:buChar char="v"/>
-            </a:pPr>
-            <a:r>
-              <a:rPr lang="en-US" sz="3600" dirty="0"/>
-              <a:t>Evaluation: 80/20 train-test split with RMSE and MAE metrics.</a:t>
-            </a:r>
-          </a:p>
-          <a:p>
-            <a:pPr algn="l"/>
-            <a:endParaRPr lang="en-US" sz="3200" dirty="0"/>
-          </a:p>
-        </p:txBody>
-      </p:sp>
-    </p:spTree>
-    <p:extLst>
-      <p:ext uri="{BB962C8B-B14F-4D97-AF65-F5344CB8AC3E}">
-        <p14:creationId xmlns:p14="http://schemas.microsoft.com/office/powerpoint/2010/main" val="3332110296"/>
-      </p:ext>
-    </p:extLst>
-  </p:cSld>
-  <p:clrMapOvr>
-    <a:masterClrMapping/>
-  </p:clrMapOvr>
-</p:sld>
-</file>
-
-<file path=ppt/slides/slide7.xml><?xml version="1.0" encoding="utf-8"?>
-<p:sld xmlns:a="http://schemas.openxmlformats.org/drawingml/2006/main" xmlns:r="http://schemas.openxmlformats.org/officeDocument/2006/relationships" xmlns:p="http://schemas.openxmlformats.org/presentationml/2006/main">
-  <p:cSld>
-    <p:spTree>
-      <p:nvGrpSpPr>
-        <p:cNvPr id="1" name=""/>
-        <p:cNvGrpSpPr/>
-        <p:nvPr/>
-      </p:nvGrpSpPr>
-      <p:grpSpPr>
-        <a:xfrm>
-          <a:off x="0" y="0"/>
-          <a:ext cx="0" cy="0"/>
-          <a:chOff x="0" y="0"/>
-          <a:chExt cx="0" cy="0"/>
-        </a:xfrm>
-      </p:grpSpPr>
-      <p:sp>
-        <p:nvSpPr>
-          <p:cNvPr id="2" name="Title 1">
-            <a:extLst>
-              <a:ext uri="{FF2B5EF4-FFF2-40B4-BE49-F238E27FC236}">
-                <a16:creationId xmlns:a16="http://schemas.microsoft.com/office/drawing/2014/main" id="{0B591000-B12D-CB05-D447-1DA8CF87A02E}"/>
-              </a:ext>
-            </a:extLst>
-          </p:cNvPr>
-          <p:cNvSpPr>
-            <a:spLocks noGrp="1"/>
-          </p:cNvSpPr>
-          <p:nvPr>
-            <p:ph type="ctrTitle"/>
-          </p:nvPr>
-        </p:nvSpPr>
-        <p:spPr>
-          <a:xfrm>
-            <a:off x="1109609" y="495640"/>
-            <a:ext cx="10191963" cy="1333161"/>
-          </a:xfrm>
-          <a:solidFill>
-            <a:srgbClr val="0070C0"/>
-          </a:solidFill>
-        </p:spPr>
-        <p:txBody>
-          <a:bodyPr/>
-          <a:lstStyle/>
-          <a:p>
-            <a:r>
-              <a:rPr lang="en-US" b="1" dirty="0">
-                <a:solidFill>
-                  <a:schemeClr val="bg1"/>
-                </a:solidFill>
-              </a:rPr>
-              <a:t>Model Performance</a:t>
-            </a:r>
-          </a:p>
-        </p:txBody>
-      </p:sp>
-      <p:sp>
-        <p:nvSpPr>
-          <p:cNvPr id="3" name="Subtitle 2">
-            <a:extLst>
-              <a:ext uri="{FF2B5EF4-FFF2-40B4-BE49-F238E27FC236}">
-                <a16:creationId xmlns:a16="http://schemas.microsoft.com/office/drawing/2014/main" id="{96E83A36-60D1-B693-BA67-E68A7FC9078C}"/>
-              </a:ext>
-            </a:extLst>
-          </p:cNvPr>
-          <p:cNvSpPr>
-            <a:spLocks noGrp="1"/>
-          </p:cNvSpPr>
-          <p:nvPr>
-            <p:ph type="subTitle" idx="1"/>
-          </p:nvPr>
-        </p:nvSpPr>
-        <p:spPr>
-          <a:xfrm>
-            <a:off x="721420" y="2293794"/>
-            <a:ext cx="10191963" cy="4068566"/>
-          </a:xfrm>
-          <a:gradFill>
-            <a:gsLst>
-              <a:gs pos="0">
-                <a:schemeClr val="accent4">
-                  <a:lumMod val="20000"/>
-                  <a:lumOff val="80000"/>
-                </a:schemeClr>
-              </a:gs>
-              <a:gs pos="74000">
-                <a:schemeClr val="accent1">
-                  <a:lumMod val="45000"/>
-                  <a:lumOff val="55000"/>
-                </a:schemeClr>
-              </a:gs>
-              <a:gs pos="83000">
-                <a:schemeClr val="accent1">
-                  <a:lumMod val="45000"/>
-                  <a:lumOff val="55000"/>
-                </a:schemeClr>
-              </a:gs>
-              <a:gs pos="100000">
-                <a:schemeClr val="accent1">
-                  <a:lumMod val="30000"/>
-                  <a:lumOff val="70000"/>
-                </a:schemeClr>
-              </a:gs>
-            </a:gsLst>
-            <a:lin ang="5400000" scaled="1"/>
-          </a:gradFill>
-        </p:spPr>
-        <p:txBody>
-          <a:bodyPr>
-            <a:normAutofit/>
-          </a:bodyPr>
-          <a:lstStyle/>
-          <a:p>
-            <a:pPr marL="342900" indent="-342900" algn="just">
-              <a:buFont typeface="Wingdings" panose="05000000000000000000" pitchFamily="2" charset="2"/>
-              <a:buChar char="v"/>
-            </a:pPr>
-            <a:r>
-              <a:rPr lang="en-US" sz="3200" dirty="0"/>
-              <a:t>KNNBasic RMSE: 0.8844 | MAE: 0.6753</a:t>
-            </a:r>
-          </a:p>
-          <a:p>
-            <a:pPr algn="just"/>
-            <a:endParaRPr lang="en-US" sz="3200" dirty="0"/>
-          </a:p>
-          <a:p>
-            <a:pPr marL="342900" indent="-342900" algn="just">
-              <a:buFont typeface="Wingdings" panose="05000000000000000000" pitchFamily="2" charset="2"/>
-              <a:buChar char="v"/>
-            </a:pPr>
-            <a:r>
-              <a:rPr lang="en-US" sz="3200" dirty="0"/>
-              <a:t>SVD RMSE: 0.8368 | MAE: 0.6395 (better performance)</a:t>
-            </a:r>
-          </a:p>
-          <a:p>
-            <a:pPr algn="just"/>
-            <a:endParaRPr lang="en-US" sz="3200" dirty="0"/>
-          </a:p>
-          <a:p>
-            <a:pPr marL="342900" indent="-342900" algn="just">
-              <a:buFont typeface="Wingdings" panose="05000000000000000000" pitchFamily="2" charset="2"/>
-              <a:buChar char="v"/>
-            </a:pPr>
-            <a:r>
-              <a:rPr lang="en-US" sz="3200" dirty="0"/>
-              <a:t>SVD chosen for deployment due to improved accuracy.</a:t>
-            </a:r>
-          </a:p>
-          <a:p>
-            <a:pPr marL="342900" indent="-342900">
-              <a:buFont typeface="Wingdings" panose="05000000000000000000" pitchFamily="2" charset="2"/>
-              <a:buChar char="v"/>
-            </a:pPr>
-            <a:endParaRPr lang="en-US" dirty="0"/>
-          </a:p>
-        </p:txBody>
-      </p:sp>
-    </p:spTree>
-    <p:extLst>
-      <p:ext uri="{BB962C8B-B14F-4D97-AF65-F5344CB8AC3E}">
-        <p14:creationId xmlns:p14="http://schemas.microsoft.com/office/powerpoint/2010/main" val="3900804041"/>
-      </p:ext>
-    </p:extLst>
-  </p:cSld>
-  <p:clrMapOvr>
-    <a:masterClrMapping/>
-  </p:clrMapOvr>
-</p:sld>
-</file>
-
-<file path=ppt/slides/slide8.xml><?xml version="1.0" encoding="utf-8"?>
-<p:sld xmlns:a="http://schemas.openxmlformats.org/drawingml/2006/main" xmlns:r="http://schemas.openxmlformats.org/officeDocument/2006/relationships" xmlns:p="http://schemas.openxmlformats.org/presentationml/2006/main">
-  <p:cSld>
-    <p:spTree>
-      <p:nvGrpSpPr>
-        <p:cNvPr id="1" name=""/>
-        <p:cNvGrpSpPr/>
-        <p:nvPr/>
-      </p:nvGrpSpPr>
-      <p:grpSpPr>
-        <a:xfrm>
-          <a:off x="0" y="0"/>
-          <a:ext cx="0" cy="0"/>
-          <a:chOff x="0" y="0"/>
-          <a:chExt cx="0" cy="0"/>
-        </a:xfrm>
-      </p:grpSpPr>
-      <p:sp>
-        <p:nvSpPr>
-          <p:cNvPr id="2" name="Title 1">
-            <a:extLst>
-              <a:ext uri="{FF2B5EF4-FFF2-40B4-BE49-F238E27FC236}">
-                <a16:creationId xmlns:a16="http://schemas.microsoft.com/office/drawing/2014/main" id="{85A5512E-772F-F930-F6B7-FC7303AB9331}"/>
-              </a:ext>
-            </a:extLst>
-          </p:cNvPr>
-          <p:cNvSpPr>
-            <a:spLocks noGrp="1"/>
-          </p:cNvSpPr>
-          <p:nvPr>
-            <p:ph type="ctrTitle"/>
-          </p:nvPr>
-        </p:nvSpPr>
-        <p:spPr>
-          <a:xfrm>
-            <a:off x="1524000" y="0"/>
-            <a:ext cx="9144000" cy="1655763"/>
-          </a:xfrm>
-          <a:solidFill>
-            <a:schemeClr val="accent1"/>
-          </a:solidFill>
-        </p:spPr>
-        <p:txBody>
-          <a:bodyPr>
-            <a:normAutofit fontScale="90000"/>
-          </a:bodyPr>
-          <a:lstStyle/>
-          <a:p>
-            <a:r>
-              <a:rPr lang="en-US" sz="5300" b="1" i="0" dirty="0">
-                <a:solidFill>
-                  <a:schemeClr val="bg1"/>
-                </a:solidFill>
-                <a:effectLst/>
-                <a:latin typeface="system-ui"/>
-              </a:rPr>
-              <a:t>Top Recommendations (User 555)</a:t>
-            </a:r>
-            <a:br>
-              <a:rPr lang="en-US" b="1" i="0" dirty="0">
-                <a:effectLst/>
-                <a:latin typeface="system-ui"/>
-              </a:rPr>
-            </a:br>
-            <a:endParaRPr lang="en-US" dirty="0"/>
-          </a:p>
-        </p:txBody>
-      </p:sp>
-      <p:sp>
-        <p:nvSpPr>
-          <p:cNvPr id="3" name="Subtitle 2">
-            <a:extLst>
-              <a:ext uri="{FF2B5EF4-FFF2-40B4-BE49-F238E27FC236}">
-                <a16:creationId xmlns:a16="http://schemas.microsoft.com/office/drawing/2014/main" id="{DC73B295-394A-F5B5-59C2-C8B4D4A48048}"/>
-              </a:ext>
-            </a:extLst>
-          </p:cNvPr>
-          <p:cNvSpPr>
-            <a:spLocks noGrp="1"/>
-          </p:cNvSpPr>
-          <p:nvPr>
-            <p:ph type="subTitle" idx="1"/>
-          </p:nvPr>
-        </p:nvSpPr>
-        <p:spPr>
-          <a:xfrm>
-            <a:off x="1524000" y="1725283"/>
-            <a:ext cx="9144000" cy="5132717"/>
-          </a:xfrm>
-          <a:gradFill>
-            <a:gsLst>
-              <a:gs pos="0">
-                <a:schemeClr val="accent4">
-                  <a:lumMod val="20000"/>
-                  <a:lumOff val="80000"/>
-                </a:schemeClr>
-              </a:gs>
-              <a:gs pos="74000">
-                <a:schemeClr val="accent1">
-                  <a:lumMod val="45000"/>
-                  <a:lumOff val="55000"/>
-                </a:schemeClr>
-              </a:gs>
-              <a:gs pos="83000">
-                <a:schemeClr val="accent1">
-                  <a:lumMod val="45000"/>
-                  <a:lumOff val="55000"/>
-                </a:schemeClr>
-              </a:gs>
-              <a:gs pos="100000">
-                <a:schemeClr val="accent1">
-                  <a:lumMod val="30000"/>
-                  <a:lumOff val="70000"/>
-                </a:schemeClr>
-              </a:gs>
-            </a:gsLst>
-            <a:lin ang="5400000" scaled="1"/>
-          </a:gradFill>
-        </p:spPr>
-        <p:txBody>
-          <a:bodyPr>
-            <a:normAutofit/>
-          </a:bodyPr>
-          <a:lstStyle/>
-          <a:p>
-            <a:pPr marL="571500" indent="-571500" algn="l">
-              <a:buFont typeface="Wingdings" panose="05000000000000000000" pitchFamily="2" charset="2"/>
-              <a:buChar char="§"/>
-            </a:pPr>
-            <a:r>
-              <a:rPr lang="en-US" sz="3600" dirty="0"/>
-              <a:t>Alien (1979) — Predicted  Rating: 4.55</a:t>
-            </a:r>
-          </a:p>
-          <a:p>
-            <a:pPr marL="571500" indent="-571500" algn="l">
-              <a:buFont typeface="Wingdings" panose="05000000000000000000" pitchFamily="2" charset="2"/>
-              <a:buChar char="§"/>
-            </a:pPr>
-            <a:r>
-              <a:rPr lang="en-US" sz="3600" dirty="0"/>
-              <a:t>Raiders of the Lost Ark (1981) — Predicted Rating: 4.53</a:t>
-            </a:r>
-          </a:p>
-          <a:p>
-            <a:pPr marL="571500" indent="-571500" algn="l">
-              <a:buFont typeface="Wingdings" panose="05000000000000000000" pitchFamily="2" charset="2"/>
-              <a:buChar char="§"/>
-            </a:pPr>
-            <a:r>
-              <a:rPr lang="en-US" sz="3600" dirty="0"/>
-              <a:t>A Clockwork Orange (1971) — Predicted Rating: 4.52</a:t>
-            </a:r>
-          </a:p>
-          <a:p>
-            <a:pPr marL="571500" indent="-571500" algn="l">
-              <a:buFont typeface="Wingdings" panose="05000000000000000000" pitchFamily="2" charset="2"/>
-              <a:buChar char="§"/>
-            </a:pPr>
-            <a:r>
-              <a:rPr lang="en-US" sz="3600" dirty="0"/>
-              <a:t>Star Wars: Episode V (1980) — Predicted Rating: 4.50</a:t>
-            </a:r>
-          </a:p>
-          <a:p>
-            <a:pPr marL="571500" indent="-571500" algn="l">
-              <a:buFont typeface="Wingdings" panose="05000000000000000000" pitchFamily="2" charset="2"/>
-              <a:buChar char="§"/>
-            </a:pPr>
-            <a:r>
-              <a:rPr lang="en-US" sz="3600" dirty="0"/>
-              <a:t>Terminator 2: Judgment Day (1991) — Predicted Rating: 4.46</a:t>
-            </a:r>
-          </a:p>
-          <a:p>
-            <a:endParaRPr lang="en-US" sz="3600" dirty="0">
-              <a:solidFill>
-                <a:schemeClr val="accent1"/>
-              </a:solidFill>
-            </a:endParaRPr>
-          </a:p>
-        </p:txBody>
-      </p:sp>
-    </p:spTree>
-    <p:extLst>
-      <p:ext uri="{BB962C8B-B14F-4D97-AF65-F5344CB8AC3E}">
-        <p14:creationId xmlns:p14="http://schemas.microsoft.com/office/powerpoint/2010/main" val="568415570"/>
-      </p:ext>
-    </p:extLst>
-  </p:cSld>
-  <p:clrMapOvr>
-    <a:masterClrMapping/>
-  </p:clrMapOvr>
-</p:sld>
-</file>
-
-<file path=ppt/slides/slide9.xml><?xml version="1.0" encoding="utf-8"?>
+<file path=ppt/slides/slide12.xml><?xml version="1.0" encoding="utf-8"?>
 <p:sld xmlns:a="http://schemas.openxmlformats.org/drawingml/2006/main" xmlns:r="http://schemas.openxmlformats.org/officeDocument/2006/relationships" xmlns:p="http://schemas.openxmlformats.org/presentationml/2006/main">
   <p:cSld>
     <p:spTree>
@@ -5780,6 +4808,2072 @@
     <p:extLst>
       <p:ext uri="{BB962C8B-B14F-4D97-AF65-F5344CB8AC3E}">
         <p14:creationId xmlns:p14="http://schemas.microsoft.com/office/powerpoint/2010/main" val="2732515427"/>
+      </p:ext>
+    </p:extLst>
+  </p:cSld>
+  <p:clrMapOvr>
+    <a:masterClrMapping/>
+  </p:clrMapOvr>
+</p:sld>
+</file>
+
+<file path=ppt/slides/slide13.xml><?xml version="1.0" encoding="utf-8"?>
+<p:sld xmlns:a="http://schemas.openxmlformats.org/drawingml/2006/main" xmlns:r="http://schemas.openxmlformats.org/officeDocument/2006/relationships" xmlns:p="http://schemas.openxmlformats.org/presentationml/2006/main">
+  <p:cSld>
+    <p:spTree>
+      <p:nvGrpSpPr>
+        <p:cNvPr id="1" name=""/>
+        <p:cNvGrpSpPr/>
+        <p:nvPr/>
+      </p:nvGrpSpPr>
+      <p:grpSpPr>
+        <a:xfrm>
+          <a:off x="0" y="0"/>
+          <a:ext cx="0" cy="0"/>
+          <a:chOff x="0" y="0"/>
+          <a:chExt cx="0" cy="0"/>
+        </a:xfrm>
+      </p:grpSpPr>
+      <p:sp>
+        <p:nvSpPr>
+          <p:cNvPr id="2" name="Title 1">
+            <a:extLst>
+              <a:ext uri="{FF2B5EF4-FFF2-40B4-BE49-F238E27FC236}">
+                <a16:creationId xmlns:a16="http://schemas.microsoft.com/office/drawing/2014/main" id="{875BA364-4DAD-9DB6-DE97-0A8A1B9C2CA9}"/>
+              </a:ext>
+            </a:extLst>
+          </p:cNvPr>
+          <p:cNvSpPr>
+            <a:spLocks noGrp="1"/>
+          </p:cNvSpPr>
+          <p:nvPr>
+            <p:ph type="ctrTitle"/>
+          </p:nvPr>
+        </p:nvSpPr>
+        <p:spPr>
+          <a:xfrm>
+            <a:off x="845389" y="449505"/>
+            <a:ext cx="10067026" cy="844460"/>
+          </a:xfrm>
+          <a:solidFill>
+            <a:schemeClr val="accent1"/>
+          </a:solidFill>
+        </p:spPr>
+        <p:txBody>
+          <a:bodyPr>
+            <a:normAutofit fontScale="90000"/>
+          </a:bodyPr>
+          <a:lstStyle/>
+          <a:p>
+            <a:r>
+              <a:rPr lang="en-US" b="1" dirty="0"/>
+              <a:t>Next Steps</a:t>
+            </a:r>
+            <a:endParaRPr lang="en-US" dirty="0"/>
+          </a:p>
+        </p:txBody>
+      </p:sp>
+      <p:sp>
+        <p:nvSpPr>
+          <p:cNvPr id="3" name="Subtitle 2">
+            <a:extLst>
+              <a:ext uri="{FF2B5EF4-FFF2-40B4-BE49-F238E27FC236}">
+                <a16:creationId xmlns:a16="http://schemas.microsoft.com/office/drawing/2014/main" id="{E9F7211C-ED9F-32AE-5545-4632999ADD32}"/>
+              </a:ext>
+            </a:extLst>
+          </p:cNvPr>
+          <p:cNvSpPr>
+            <a:spLocks noGrp="1"/>
+          </p:cNvSpPr>
+          <p:nvPr>
+            <p:ph type="subTitle" idx="1"/>
+          </p:nvPr>
+        </p:nvSpPr>
+        <p:spPr>
+          <a:xfrm>
+            <a:off x="845389" y="1423358"/>
+            <a:ext cx="10067026" cy="3963835"/>
+          </a:xfrm>
+          <a:gradFill>
+            <a:gsLst>
+              <a:gs pos="0">
+                <a:schemeClr val="accent4">
+                  <a:lumMod val="20000"/>
+                  <a:lumOff val="80000"/>
+                </a:schemeClr>
+              </a:gs>
+              <a:gs pos="74000">
+                <a:schemeClr val="accent1">
+                  <a:lumMod val="45000"/>
+                  <a:lumOff val="55000"/>
+                </a:schemeClr>
+              </a:gs>
+              <a:gs pos="83000">
+                <a:schemeClr val="accent1">
+                  <a:lumMod val="45000"/>
+                  <a:lumOff val="55000"/>
+                </a:schemeClr>
+              </a:gs>
+              <a:gs pos="100000">
+                <a:schemeClr val="accent1">
+                  <a:lumMod val="30000"/>
+                  <a:lumOff val="70000"/>
+                </a:schemeClr>
+              </a:gs>
+            </a:gsLst>
+            <a:lin ang="5400000" scaled="1"/>
+          </a:gradFill>
+        </p:spPr>
+        <p:txBody>
+          <a:bodyPr>
+            <a:normAutofit/>
+          </a:bodyPr>
+          <a:lstStyle/>
+          <a:p>
+            <a:pPr marL="342900" indent="-342900" algn="l">
+              <a:buFont typeface="Arial" panose="020B0604020202020204" pitchFamily="34" charset="0"/>
+              <a:buChar char="•"/>
+            </a:pPr>
+            <a:r>
+              <a:rPr lang="en-US" dirty="0"/>
+              <a:t>Deploy model to flag high-risk customers weekly.</a:t>
+            </a:r>
+          </a:p>
+          <a:p>
+            <a:pPr algn="l"/>
+            <a:endParaRPr lang="en-US" dirty="0"/>
+          </a:p>
+          <a:p>
+            <a:pPr marL="342900" indent="-342900" algn="l">
+              <a:buFont typeface="Arial" panose="020B0604020202020204" pitchFamily="34" charset="0"/>
+              <a:buChar char="•"/>
+            </a:pPr>
+            <a:r>
+              <a:rPr lang="en-US" dirty="0"/>
+              <a:t>Integrate predictions into CRM for personalized retention actions.</a:t>
+            </a:r>
+          </a:p>
+          <a:p>
+            <a:pPr marL="342900" indent="-342900" algn="l">
+              <a:buFont typeface="Arial" panose="020B0604020202020204" pitchFamily="34" charset="0"/>
+              <a:buChar char="•"/>
+            </a:pPr>
+            <a:endParaRPr lang="en-US" dirty="0"/>
+          </a:p>
+          <a:p>
+            <a:pPr marL="342900" indent="-342900" algn="l">
+              <a:buFont typeface="Arial" panose="020B0604020202020204" pitchFamily="34" charset="0"/>
+              <a:buChar char="•"/>
+            </a:pPr>
+            <a:r>
+              <a:rPr lang="en-US" dirty="0"/>
+              <a:t>Continue refining the model with new data.</a:t>
+            </a:r>
+          </a:p>
+          <a:p>
+            <a:pPr marL="342900" indent="-342900" algn="l">
+              <a:buFont typeface="Wingdings" panose="05000000000000000000" pitchFamily="2" charset="2"/>
+              <a:buChar char="§"/>
+            </a:pPr>
+            <a:endParaRPr lang="en-US" b="0" i="0" dirty="0">
+              <a:effectLst/>
+              <a:latin typeface="system-ui"/>
+            </a:endParaRPr>
+          </a:p>
+          <a:p>
+            <a:pPr marL="342900" indent="-342900" algn="l">
+              <a:buFont typeface="Wingdings" panose="05000000000000000000" pitchFamily="2" charset="2"/>
+              <a:buChar char="§"/>
+            </a:pPr>
+            <a:endParaRPr lang="en-US" b="0" i="0" dirty="0">
+              <a:effectLst/>
+              <a:latin typeface="system-ui"/>
+            </a:endParaRPr>
+          </a:p>
+          <a:p>
+            <a:pPr marL="342900" indent="-342900" algn="l">
+              <a:buFont typeface="Wingdings" panose="05000000000000000000" pitchFamily="2" charset="2"/>
+              <a:buChar char="§"/>
+            </a:pPr>
+            <a:endParaRPr lang="en-US" b="0" i="0" dirty="0">
+              <a:effectLst/>
+              <a:latin typeface="system-ui"/>
+            </a:endParaRPr>
+          </a:p>
+          <a:p>
+            <a:pPr marL="342900" indent="-342900" algn="l">
+              <a:buFont typeface="Wingdings" panose="05000000000000000000" pitchFamily="2" charset="2"/>
+              <a:buChar char="§"/>
+            </a:pPr>
+            <a:endParaRPr lang="en-US" dirty="0"/>
+          </a:p>
+        </p:txBody>
+      </p:sp>
+    </p:spTree>
+    <p:extLst>
+      <p:ext uri="{BB962C8B-B14F-4D97-AF65-F5344CB8AC3E}">
+        <p14:creationId xmlns:p14="http://schemas.microsoft.com/office/powerpoint/2010/main" val="1939040054"/>
+      </p:ext>
+    </p:extLst>
+  </p:cSld>
+  <p:clrMapOvr>
+    <a:masterClrMapping/>
+  </p:clrMapOvr>
+</p:sld>
+</file>
+
+<file path=ppt/slides/slide14.xml><?xml version="1.0" encoding="utf-8"?>
+<p:sld xmlns:a="http://schemas.openxmlformats.org/drawingml/2006/main" xmlns:r="http://schemas.openxmlformats.org/officeDocument/2006/relationships" xmlns:p="http://schemas.openxmlformats.org/presentationml/2006/main">
+  <p:cSld>
+    <p:spTree>
+      <p:nvGrpSpPr>
+        <p:cNvPr id="1" name=""/>
+        <p:cNvGrpSpPr/>
+        <p:nvPr/>
+      </p:nvGrpSpPr>
+      <p:grpSpPr>
+        <a:xfrm>
+          <a:off x="0" y="0"/>
+          <a:ext cx="0" cy="0"/>
+          <a:chOff x="0" y="0"/>
+          <a:chExt cx="0" cy="0"/>
+        </a:xfrm>
+      </p:grpSpPr>
+      <p:sp>
+        <p:nvSpPr>
+          <p:cNvPr id="2" name="Title 1">
+            <a:extLst>
+              <a:ext uri="{FF2B5EF4-FFF2-40B4-BE49-F238E27FC236}">
+                <a16:creationId xmlns:a16="http://schemas.microsoft.com/office/drawing/2014/main" id="{A207EC97-D44A-02C7-F003-48B5C9E9458F}"/>
+              </a:ext>
+            </a:extLst>
+          </p:cNvPr>
+          <p:cNvSpPr>
+            <a:spLocks noGrp="1"/>
+          </p:cNvSpPr>
+          <p:nvPr>
+            <p:ph type="ctrTitle"/>
+          </p:nvPr>
+        </p:nvSpPr>
+        <p:spPr>
+          <a:xfrm>
+            <a:off x="154113" y="203862"/>
+            <a:ext cx="11733088" cy="1190855"/>
+          </a:xfrm>
+          <a:solidFill>
+            <a:schemeClr val="accent1"/>
+          </a:solidFill>
+        </p:spPr>
+        <p:txBody>
+          <a:bodyPr>
+            <a:normAutofit/>
+          </a:bodyPr>
+          <a:lstStyle/>
+          <a:p>
+            <a:r>
+              <a:rPr lang="en-US" b="1" dirty="0">
+                <a:solidFill>
+                  <a:schemeClr val="bg1"/>
+                </a:solidFill>
+              </a:rPr>
+              <a:t>Appreciation </a:t>
+            </a:r>
+            <a:endParaRPr lang="en-US" dirty="0"/>
+          </a:p>
+        </p:txBody>
+      </p:sp>
+      <p:sp>
+        <p:nvSpPr>
+          <p:cNvPr id="3" name="Subtitle 2">
+            <a:extLst>
+              <a:ext uri="{FF2B5EF4-FFF2-40B4-BE49-F238E27FC236}">
+                <a16:creationId xmlns:a16="http://schemas.microsoft.com/office/drawing/2014/main" id="{693F0C73-3601-8F25-A9ED-21341569DA41}"/>
+              </a:ext>
+            </a:extLst>
+          </p:cNvPr>
+          <p:cNvSpPr>
+            <a:spLocks noGrp="1"/>
+          </p:cNvSpPr>
+          <p:nvPr>
+            <p:ph type="subTitle" idx="1"/>
+          </p:nvPr>
+        </p:nvSpPr>
+        <p:spPr>
+          <a:xfrm>
+            <a:off x="339047" y="1623317"/>
+            <a:ext cx="11548154" cy="4808305"/>
+          </a:xfrm>
+          <a:gradFill>
+            <a:gsLst>
+              <a:gs pos="0">
+                <a:schemeClr val="accent4">
+                  <a:lumMod val="20000"/>
+                  <a:lumOff val="80000"/>
+                </a:schemeClr>
+              </a:gs>
+              <a:gs pos="74000">
+                <a:schemeClr val="accent1">
+                  <a:lumMod val="45000"/>
+                  <a:lumOff val="55000"/>
+                </a:schemeClr>
+              </a:gs>
+              <a:gs pos="83000">
+                <a:schemeClr val="accent1">
+                  <a:lumMod val="45000"/>
+                  <a:lumOff val="55000"/>
+                </a:schemeClr>
+              </a:gs>
+              <a:gs pos="100000">
+                <a:schemeClr val="accent1">
+                  <a:lumMod val="30000"/>
+                  <a:lumOff val="70000"/>
+                </a:schemeClr>
+              </a:gs>
+            </a:gsLst>
+            <a:lin ang="5400000" scaled="1"/>
+          </a:gradFill>
+        </p:spPr>
+        <p:txBody>
+          <a:bodyPr/>
+          <a:lstStyle/>
+          <a:p>
+            <a:pPr algn="l"/>
+            <a:r>
+              <a:rPr lang="en-US" dirty="0"/>
+              <a:t>We would like to thank </a:t>
+            </a:r>
+            <a:r>
+              <a:rPr lang="en-US" b="0" i="0" dirty="0">
+                <a:effectLst/>
+                <a:latin typeface="system-ui"/>
+              </a:rPr>
+              <a:t>MovieLens team for dataset access which made these analysis possible. </a:t>
+            </a:r>
+          </a:p>
+          <a:p>
+            <a:pPr algn="l"/>
+            <a:r>
+              <a:rPr lang="en-US" b="1" dirty="0">
+                <a:solidFill>
+                  <a:schemeClr val="bg1"/>
+                </a:solidFill>
+              </a:rPr>
+              <a:t>Questions?</a:t>
+            </a:r>
+            <a:endParaRPr lang="en-US" b="1" dirty="0">
+              <a:solidFill>
+                <a:schemeClr val="bg1"/>
+              </a:solidFill>
+              <a:latin typeface="system-ui"/>
+            </a:endParaRPr>
+          </a:p>
+          <a:p>
+            <a:pPr algn="l"/>
+            <a:r>
+              <a:rPr lang="en-US" dirty="0"/>
+              <a:t>We would love to hear your take on this! Please feel free to get in touch.</a:t>
+            </a:r>
+          </a:p>
+          <a:p>
+            <a:pPr algn="l"/>
+            <a:r>
+              <a:rPr lang="en-US" b="1" dirty="0">
+                <a:solidFill>
+                  <a:schemeClr val="bg1"/>
+                </a:solidFill>
+              </a:rPr>
+              <a:t>Contact Information:</a:t>
+            </a:r>
+          </a:p>
+          <a:p>
+            <a:pPr algn="l"/>
+            <a:r>
+              <a:rPr lang="en-US" b="1" dirty="0">
+                <a:solidFill>
+                  <a:schemeClr val="bg1"/>
+                </a:solidFill>
+              </a:rPr>
+              <a:t>Name: James Gatonye </a:t>
+            </a:r>
+          </a:p>
+          <a:p>
+            <a:pPr algn="l"/>
+            <a:r>
+              <a:rPr lang="en-US" b="1" dirty="0">
+                <a:solidFill>
+                  <a:schemeClr val="bg1"/>
+                </a:solidFill>
+              </a:rPr>
+              <a:t>LinkedIn: </a:t>
+            </a:r>
+            <a:r>
+              <a:rPr lang="en-US" b="1" dirty="0">
+                <a:solidFill>
+                  <a:schemeClr val="bg1"/>
+                </a:solidFill>
+                <a:hlinkClick r:id="rId2"/>
+              </a:rPr>
+              <a:t>https://www.linkedin.com/in/james-gatonye-b5144991/</a:t>
+            </a:r>
+            <a:endParaRPr lang="en-US" b="1" dirty="0">
+              <a:solidFill>
+                <a:schemeClr val="bg1"/>
+              </a:solidFill>
+            </a:endParaRPr>
+          </a:p>
+          <a:p>
+            <a:pPr algn="l"/>
+            <a:endParaRPr lang="en-US" b="1" dirty="0">
+              <a:solidFill>
+                <a:schemeClr val="bg1"/>
+              </a:solidFill>
+            </a:endParaRPr>
+          </a:p>
+          <a:p>
+            <a:pPr algn="l"/>
+            <a:endParaRPr lang="en-US" b="1" dirty="0">
+              <a:solidFill>
+                <a:schemeClr val="bg1"/>
+              </a:solidFill>
+            </a:endParaRPr>
+          </a:p>
+        </p:txBody>
+      </p:sp>
+    </p:spTree>
+    <p:extLst>
+      <p:ext uri="{BB962C8B-B14F-4D97-AF65-F5344CB8AC3E}">
+        <p14:creationId xmlns:p14="http://schemas.microsoft.com/office/powerpoint/2010/main" val="1716295776"/>
+      </p:ext>
+    </p:extLst>
+  </p:cSld>
+  <p:clrMapOvr>
+    <a:masterClrMapping/>
+  </p:clrMapOvr>
+</p:sld>
+</file>
+
+<file path=ppt/slides/slide2.xml><?xml version="1.0" encoding="utf-8"?>
+<p:sld xmlns:a="http://schemas.openxmlformats.org/drawingml/2006/main" xmlns:r="http://schemas.openxmlformats.org/officeDocument/2006/relationships" xmlns:p="http://schemas.openxmlformats.org/presentationml/2006/main">
+  <p:cSld>
+    <p:spTree>
+      <p:nvGrpSpPr>
+        <p:cNvPr id="1" name=""/>
+        <p:cNvGrpSpPr/>
+        <p:nvPr/>
+      </p:nvGrpSpPr>
+      <p:grpSpPr>
+        <a:xfrm>
+          <a:off x="0" y="0"/>
+          <a:ext cx="0" cy="0"/>
+          <a:chOff x="0" y="0"/>
+          <a:chExt cx="0" cy="0"/>
+        </a:xfrm>
+      </p:grpSpPr>
+      <p:sp>
+        <p:nvSpPr>
+          <p:cNvPr id="2" name="Title 1">
+            <a:extLst>
+              <a:ext uri="{FF2B5EF4-FFF2-40B4-BE49-F238E27FC236}">
+                <a16:creationId xmlns:a16="http://schemas.microsoft.com/office/drawing/2014/main" id="{36DC95B4-040E-CFB3-1138-E11479FCC903}"/>
+              </a:ext>
+            </a:extLst>
+          </p:cNvPr>
+          <p:cNvSpPr>
+            <a:spLocks noGrp="1"/>
+          </p:cNvSpPr>
+          <p:nvPr>
+            <p:ph type="title"/>
+          </p:nvPr>
+        </p:nvSpPr>
+        <p:spPr>
+          <a:solidFill>
+            <a:schemeClr val="accent1"/>
+          </a:solidFill>
+        </p:spPr>
+        <p:txBody>
+          <a:bodyPr/>
+          <a:lstStyle/>
+          <a:p>
+            <a:pPr algn="ctr"/>
+            <a:r>
+              <a:rPr lang="en-US" b="1" dirty="0">
+                <a:solidFill>
+                  <a:schemeClr val="bg1"/>
+                </a:solidFill>
+              </a:rPr>
+              <a:t>Project Overview</a:t>
+            </a:r>
+            <a:endParaRPr lang="en-US" dirty="0">
+              <a:solidFill>
+                <a:schemeClr val="bg1"/>
+              </a:solidFill>
+            </a:endParaRPr>
+          </a:p>
+        </p:txBody>
+      </p:sp>
+      <p:sp>
+        <p:nvSpPr>
+          <p:cNvPr id="3" name="Content Placeholder 2">
+            <a:extLst>
+              <a:ext uri="{FF2B5EF4-FFF2-40B4-BE49-F238E27FC236}">
+                <a16:creationId xmlns:a16="http://schemas.microsoft.com/office/drawing/2014/main" id="{501231CA-6AB0-3353-7C1E-06AA4F37E79E}"/>
+              </a:ext>
+            </a:extLst>
+          </p:cNvPr>
+          <p:cNvSpPr>
+            <a:spLocks noGrp="1"/>
+          </p:cNvSpPr>
+          <p:nvPr>
+            <p:ph idx="1"/>
+          </p:nvPr>
+        </p:nvSpPr>
+        <p:spPr>
+          <a:xfrm>
+            <a:off x="838200" y="1816998"/>
+            <a:ext cx="10515600" cy="4351338"/>
+          </a:xfrm>
+          <a:gradFill>
+            <a:gsLst>
+              <a:gs pos="0">
+                <a:schemeClr val="accent4">
+                  <a:lumMod val="20000"/>
+                  <a:lumOff val="80000"/>
+                </a:schemeClr>
+              </a:gs>
+              <a:gs pos="74000">
+                <a:schemeClr val="accent1">
+                  <a:lumMod val="45000"/>
+                  <a:lumOff val="55000"/>
+                </a:schemeClr>
+              </a:gs>
+              <a:gs pos="83000">
+                <a:schemeClr val="accent1">
+                  <a:lumMod val="45000"/>
+                  <a:lumOff val="55000"/>
+                </a:schemeClr>
+              </a:gs>
+              <a:gs pos="100000">
+                <a:schemeClr val="accent1">
+                  <a:lumMod val="30000"/>
+                  <a:lumOff val="70000"/>
+                </a:schemeClr>
+              </a:gs>
+            </a:gsLst>
+            <a:lin ang="5400000" scaled="1"/>
+          </a:gradFill>
+        </p:spPr>
+        <p:txBody>
+          <a:bodyPr>
+            <a:normAutofit/>
+          </a:bodyPr>
+          <a:lstStyle/>
+          <a:p>
+            <a:pPr>
+              <a:buFont typeface="Wingdings" panose="05000000000000000000" pitchFamily="2" charset="2"/>
+              <a:buChar char="v"/>
+            </a:pPr>
+            <a:r>
+              <a:rPr lang="en-US" sz="3200" dirty="0"/>
+              <a:t>Developed a recommendation system using the MovieLens 32M dataset.</a:t>
+            </a:r>
+          </a:p>
+          <a:p>
+            <a:pPr marL="0" indent="0">
+              <a:buNone/>
+            </a:pPr>
+            <a:endParaRPr lang="en-US" sz="3200" dirty="0"/>
+          </a:p>
+          <a:p>
+            <a:pPr>
+              <a:buFont typeface="Wingdings" panose="05000000000000000000" pitchFamily="2" charset="2"/>
+              <a:buChar char="v"/>
+            </a:pPr>
+            <a:r>
+              <a:rPr lang="en-US" sz="3200" dirty="0"/>
+              <a:t>Goal: Suggest top 5 movies to users based on past ratings.</a:t>
+            </a:r>
+          </a:p>
+          <a:p>
+            <a:pPr marL="0" indent="0">
+              <a:buNone/>
+            </a:pPr>
+            <a:endParaRPr lang="en-US" sz="3200" dirty="0"/>
+          </a:p>
+          <a:p>
+            <a:pPr>
+              <a:buFont typeface="Wingdings" panose="05000000000000000000" pitchFamily="2" charset="2"/>
+              <a:buChar char="v"/>
+            </a:pPr>
+            <a:r>
+              <a:rPr lang="en-US" sz="3200" dirty="0"/>
+              <a:t>Models used: KNNBasic (baseline), SVD and a Hybrid model.</a:t>
+            </a:r>
+          </a:p>
+          <a:p>
+            <a:pPr marL="0" indent="0">
+              <a:buNone/>
+            </a:pPr>
+            <a:endParaRPr lang="en-US" sz="3200" b="0" i="0" dirty="0">
+              <a:effectLst/>
+              <a:latin typeface="system-ui"/>
+            </a:endParaRPr>
+          </a:p>
+        </p:txBody>
+      </p:sp>
+    </p:spTree>
+    <p:extLst>
+      <p:ext uri="{BB962C8B-B14F-4D97-AF65-F5344CB8AC3E}">
+        <p14:creationId xmlns:p14="http://schemas.microsoft.com/office/powerpoint/2010/main" val="724649777"/>
+      </p:ext>
+    </p:extLst>
+  </p:cSld>
+  <p:clrMapOvr>
+    <a:masterClrMapping/>
+  </p:clrMapOvr>
+</p:sld>
+</file>
+
+<file path=ppt/slides/slide3.xml><?xml version="1.0" encoding="utf-8"?>
+<p:sld xmlns:a="http://schemas.openxmlformats.org/drawingml/2006/main" xmlns:r="http://schemas.openxmlformats.org/officeDocument/2006/relationships" xmlns:p="http://schemas.openxmlformats.org/presentationml/2006/main">
+  <p:cSld>
+    <p:spTree>
+      <p:nvGrpSpPr>
+        <p:cNvPr id="1" name=""/>
+        <p:cNvGrpSpPr/>
+        <p:nvPr/>
+      </p:nvGrpSpPr>
+      <p:grpSpPr>
+        <a:xfrm>
+          <a:off x="0" y="0"/>
+          <a:ext cx="0" cy="0"/>
+          <a:chOff x="0" y="0"/>
+          <a:chExt cx="0" cy="0"/>
+        </a:xfrm>
+      </p:grpSpPr>
+      <p:sp>
+        <p:nvSpPr>
+          <p:cNvPr id="3" name="Subtitle 2">
+            <a:extLst>
+              <a:ext uri="{FF2B5EF4-FFF2-40B4-BE49-F238E27FC236}">
+                <a16:creationId xmlns:a16="http://schemas.microsoft.com/office/drawing/2014/main" id="{64E27335-631F-F57D-8BB3-2BBC8597AA10}"/>
+              </a:ext>
+            </a:extLst>
+          </p:cNvPr>
+          <p:cNvSpPr>
+            <a:spLocks noGrp="1"/>
+          </p:cNvSpPr>
+          <p:nvPr>
+            <p:ph type="subTitle" idx="1"/>
+          </p:nvPr>
+        </p:nvSpPr>
+        <p:spPr>
+          <a:xfrm>
+            <a:off x="838200" y="2106202"/>
+            <a:ext cx="10515600" cy="4253501"/>
+          </a:xfrm>
+          <a:gradFill>
+            <a:gsLst>
+              <a:gs pos="0">
+                <a:schemeClr val="accent4">
+                  <a:lumMod val="20000"/>
+                  <a:lumOff val="80000"/>
+                </a:schemeClr>
+              </a:gs>
+              <a:gs pos="74000">
+                <a:schemeClr val="accent1">
+                  <a:lumMod val="45000"/>
+                  <a:lumOff val="55000"/>
+                </a:schemeClr>
+              </a:gs>
+              <a:gs pos="83000">
+                <a:schemeClr val="accent1">
+                  <a:lumMod val="45000"/>
+                  <a:lumOff val="55000"/>
+                </a:schemeClr>
+              </a:gs>
+              <a:gs pos="100000">
+                <a:schemeClr val="accent1">
+                  <a:lumMod val="30000"/>
+                  <a:lumOff val="70000"/>
+                </a:schemeClr>
+              </a:gs>
+            </a:gsLst>
+            <a:lin ang="5400000" scaled="1"/>
+          </a:gradFill>
+        </p:spPr>
+        <p:txBody>
+          <a:bodyPr>
+            <a:normAutofit/>
+          </a:bodyPr>
+          <a:lstStyle/>
+          <a:p>
+            <a:pPr marL="457200" indent="-457200" algn="l">
+              <a:buFont typeface="Wingdings" panose="05000000000000000000" pitchFamily="2" charset="2"/>
+              <a:buChar char="v"/>
+            </a:pPr>
+            <a:r>
+              <a:rPr lang="en-US" sz="3200" dirty="0">
+                <a:latin typeface="system-ui"/>
+              </a:rPr>
+              <a:t>Users face decision fatigue due to too many content choices.</a:t>
+            </a:r>
+          </a:p>
+          <a:p>
+            <a:pPr algn="l"/>
+            <a:endParaRPr lang="en-US" sz="3200" dirty="0">
+              <a:latin typeface="system-ui"/>
+            </a:endParaRPr>
+          </a:p>
+          <a:p>
+            <a:pPr marL="457200" indent="-457200" algn="l">
+              <a:buFont typeface="Wingdings" panose="05000000000000000000" pitchFamily="2" charset="2"/>
+              <a:buChar char="v"/>
+            </a:pPr>
+            <a:r>
+              <a:rPr lang="en-US" sz="3200" dirty="0">
+                <a:latin typeface="system-ui"/>
+              </a:rPr>
+              <a:t>Streaming platforms benefit from recommending relevant content.</a:t>
+            </a:r>
+          </a:p>
+          <a:p>
+            <a:pPr algn="l"/>
+            <a:endParaRPr lang="en-US" sz="3200" dirty="0">
+              <a:latin typeface="system-ui"/>
+            </a:endParaRPr>
+          </a:p>
+          <a:p>
+            <a:pPr marL="457200" indent="-457200" algn="l">
+              <a:buFont typeface="Wingdings" panose="05000000000000000000" pitchFamily="2" charset="2"/>
+              <a:buChar char="v"/>
+            </a:pPr>
+            <a:r>
+              <a:rPr lang="en-US" sz="3200" dirty="0">
+                <a:latin typeface="system-ui"/>
+              </a:rPr>
+              <a:t>Improves user satisfaction, engagement, and retention.</a:t>
+            </a:r>
+          </a:p>
+          <a:p>
+            <a:endParaRPr lang="en-US" dirty="0"/>
+          </a:p>
+        </p:txBody>
+      </p:sp>
+      <p:sp>
+        <p:nvSpPr>
+          <p:cNvPr id="4" name="Title 1">
+            <a:extLst>
+              <a:ext uri="{FF2B5EF4-FFF2-40B4-BE49-F238E27FC236}">
+                <a16:creationId xmlns:a16="http://schemas.microsoft.com/office/drawing/2014/main" id="{0185583A-75B5-3E87-7639-6CE8E4974297}"/>
+              </a:ext>
+            </a:extLst>
+          </p:cNvPr>
+          <p:cNvSpPr txBox="1">
+            <a:spLocks/>
+          </p:cNvSpPr>
+          <p:nvPr/>
+        </p:nvSpPr>
+        <p:spPr>
+          <a:xfrm>
+            <a:off x="838200" y="570609"/>
+            <a:ext cx="10515600" cy="1325563"/>
+          </a:xfrm>
+          <a:prstGeom prst="rect">
+            <a:avLst/>
+          </a:prstGeom>
+          <a:solidFill>
+            <a:schemeClr val="accent1"/>
+          </a:solidFill>
+        </p:spPr>
+        <p:txBody>
+          <a:bodyPr vert="horz" lIns="91440" tIns="45720" rIns="91440" bIns="45720" rtlCol="0" anchor="b">
+            <a:normAutofit/>
+          </a:bodyPr>
+          <a:lstStyle>
+            <a:lvl1pPr algn="ctr" defTabSz="914400" rtl="0" eaLnBrk="1" latinLnBrk="0" hangingPunct="1">
+              <a:lnSpc>
+                <a:spcPct val="90000"/>
+              </a:lnSpc>
+              <a:spcBef>
+                <a:spcPct val="0"/>
+              </a:spcBef>
+              <a:buNone/>
+              <a:defRPr sz="6000" kern="1200">
+                <a:solidFill>
+                  <a:schemeClr val="tx1"/>
+                </a:solidFill>
+                <a:latin typeface="+mj-lt"/>
+                <a:ea typeface="+mj-ea"/>
+                <a:cs typeface="+mj-cs"/>
+              </a:defRPr>
+            </a:lvl1pPr>
+          </a:lstStyle>
+          <a:p>
+            <a:r>
+              <a:rPr lang="en-US" b="1" dirty="0">
+                <a:solidFill>
+                  <a:schemeClr val="bg1"/>
+                </a:solidFill>
+              </a:rPr>
+              <a:t>Business Understanding</a:t>
+            </a:r>
+            <a:endParaRPr lang="en-US" dirty="0">
+              <a:solidFill>
+                <a:schemeClr val="bg1"/>
+              </a:solidFill>
+            </a:endParaRPr>
+          </a:p>
+        </p:txBody>
+      </p:sp>
+    </p:spTree>
+    <p:extLst>
+      <p:ext uri="{BB962C8B-B14F-4D97-AF65-F5344CB8AC3E}">
+        <p14:creationId xmlns:p14="http://schemas.microsoft.com/office/powerpoint/2010/main" val="2257940759"/>
+      </p:ext>
+    </p:extLst>
+  </p:cSld>
+  <p:clrMapOvr>
+    <a:masterClrMapping/>
+  </p:clrMapOvr>
+</p:sld>
+</file>
+
+<file path=ppt/slides/slide4.xml><?xml version="1.0" encoding="utf-8"?>
+<p:sld xmlns:a="http://schemas.openxmlformats.org/drawingml/2006/main" xmlns:r="http://schemas.openxmlformats.org/officeDocument/2006/relationships" xmlns:p="http://schemas.openxmlformats.org/presentationml/2006/main">
+  <p:cSld>
+    <p:spTree>
+      <p:nvGrpSpPr>
+        <p:cNvPr id="1" name=""/>
+        <p:cNvGrpSpPr/>
+        <p:nvPr/>
+      </p:nvGrpSpPr>
+      <p:grpSpPr>
+        <a:xfrm>
+          <a:off x="0" y="0"/>
+          <a:ext cx="0" cy="0"/>
+          <a:chOff x="0" y="0"/>
+          <a:chExt cx="0" cy="0"/>
+        </a:xfrm>
+      </p:grpSpPr>
+      <p:sp>
+        <p:nvSpPr>
+          <p:cNvPr id="2" name="Title 1">
+            <a:extLst>
+              <a:ext uri="{FF2B5EF4-FFF2-40B4-BE49-F238E27FC236}">
+                <a16:creationId xmlns:a16="http://schemas.microsoft.com/office/drawing/2014/main" id="{C2420921-EDD5-FCC9-6D19-27AB1F5F5C7D}"/>
+              </a:ext>
+            </a:extLst>
+          </p:cNvPr>
+          <p:cNvSpPr>
+            <a:spLocks noGrp="1"/>
+          </p:cNvSpPr>
+          <p:nvPr>
+            <p:ph type="ctrTitle"/>
+          </p:nvPr>
+        </p:nvSpPr>
+        <p:spPr>
+          <a:xfrm>
+            <a:off x="976045" y="567561"/>
+            <a:ext cx="10099497" cy="1333157"/>
+          </a:xfrm>
+          <a:solidFill>
+            <a:schemeClr val="accent1"/>
+          </a:solidFill>
+        </p:spPr>
+        <p:txBody>
+          <a:bodyPr/>
+          <a:lstStyle/>
+          <a:p>
+            <a:r>
+              <a:rPr lang="en-US" b="1" dirty="0">
+                <a:solidFill>
+                  <a:schemeClr val="bg1"/>
+                </a:solidFill>
+              </a:rPr>
+              <a:t>Data Overview</a:t>
+            </a:r>
+          </a:p>
+        </p:txBody>
+      </p:sp>
+      <p:sp>
+        <p:nvSpPr>
+          <p:cNvPr id="3" name="Subtitle 2">
+            <a:extLst>
+              <a:ext uri="{FF2B5EF4-FFF2-40B4-BE49-F238E27FC236}">
+                <a16:creationId xmlns:a16="http://schemas.microsoft.com/office/drawing/2014/main" id="{523179F7-A1B2-DF0F-536E-44CAFF8A577C}"/>
+              </a:ext>
+            </a:extLst>
+          </p:cNvPr>
+          <p:cNvSpPr>
+            <a:spLocks noGrp="1"/>
+          </p:cNvSpPr>
+          <p:nvPr>
+            <p:ph type="subTitle" idx="1"/>
+          </p:nvPr>
+        </p:nvSpPr>
+        <p:spPr>
+          <a:xfrm>
+            <a:off x="976045" y="2003459"/>
+            <a:ext cx="10099497" cy="4078842"/>
+          </a:xfrm>
+          <a:gradFill>
+            <a:gsLst>
+              <a:gs pos="0">
+                <a:schemeClr val="accent4">
+                  <a:lumMod val="20000"/>
+                  <a:lumOff val="80000"/>
+                </a:schemeClr>
+              </a:gs>
+              <a:gs pos="74000">
+                <a:schemeClr val="accent1">
+                  <a:lumMod val="45000"/>
+                  <a:lumOff val="55000"/>
+                </a:schemeClr>
+              </a:gs>
+              <a:gs pos="83000">
+                <a:schemeClr val="accent1">
+                  <a:lumMod val="45000"/>
+                  <a:lumOff val="55000"/>
+                </a:schemeClr>
+              </a:gs>
+              <a:gs pos="100000">
+                <a:schemeClr val="accent1">
+                  <a:lumMod val="30000"/>
+                  <a:lumOff val="70000"/>
+                </a:schemeClr>
+              </a:gs>
+            </a:gsLst>
+            <a:lin ang="5400000" scaled="1"/>
+          </a:gradFill>
+        </p:spPr>
+        <p:txBody>
+          <a:bodyPr>
+            <a:noAutofit/>
+          </a:bodyPr>
+          <a:lstStyle/>
+          <a:p>
+            <a:pPr marL="342900" indent="-342900" algn="l">
+              <a:buFont typeface="Wingdings" panose="05000000000000000000" pitchFamily="2" charset="2"/>
+              <a:buChar char="v"/>
+            </a:pPr>
+            <a:r>
+              <a:rPr lang="en-US" sz="3200" dirty="0"/>
+              <a:t> MovieLens 32M dataset: 200K users, 87K movies, 32M ratings.</a:t>
+            </a:r>
+          </a:p>
+          <a:p>
+            <a:pPr algn="l"/>
+            <a:endParaRPr lang="en-US" sz="3200" dirty="0"/>
+          </a:p>
+          <a:p>
+            <a:pPr marL="342900" indent="-342900" algn="l">
+              <a:buFont typeface="Wingdings" panose="05000000000000000000" pitchFamily="2" charset="2"/>
+              <a:buChar char="v"/>
+            </a:pPr>
+            <a:r>
+              <a:rPr lang="en-US" sz="3200" dirty="0"/>
+              <a:t>Features used: UserId, movieId, rating, movie title and timestamp.</a:t>
+            </a:r>
+          </a:p>
+          <a:p>
+            <a:pPr algn="l"/>
+            <a:endParaRPr lang="en-US" sz="3200" dirty="0"/>
+          </a:p>
+          <a:p>
+            <a:pPr marL="342900" indent="-342900" algn="l">
+              <a:buFont typeface="Wingdings" panose="05000000000000000000" pitchFamily="2" charset="2"/>
+              <a:buChar char="v"/>
+            </a:pPr>
+            <a:r>
+              <a:rPr lang="en-US" sz="3200" dirty="0"/>
+              <a:t>Filtered to active users (≥20 ratings) and movies (≥50 ratings).</a:t>
+            </a:r>
+          </a:p>
+          <a:p>
+            <a:pPr marL="342900" indent="-342900" algn="l">
+              <a:buFont typeface="Wingdings" panose="05000000000000000000" pitchFamily="2" charset="2"/>
+              <a:buChar char="v"/>
+            </a:pPr>
+            <a:endParaRPr lang="en-US" sz="3200" dirty="0"/>
+          </a:p>
+          <a:p>
+            <a:pPr algn="l"/>
+            <a:endParaRPr lang="en-US" sz="3200" dirty="0"/>
+          </a:p>
+        </p:txBody>
+      </p:sp>
+    </p:spTree>
+    <p:extLst>
+      <p:ext uri="{BB962C8B-B14F-4D97-AF65-F5344CB8AC3E}">
+        <p14:creationId xmlns:p14="http://schemas.microsoft.com/office/powerpoint/2010/main" val="3149556908"/>
+      </p:ext>
+    </p:extLst>
+  </p:cSld>
+  <p:clrMapOvr>
+    <a:masterClrMapping/>
+  </p:clrMapOvr>
+</p:sld>
+</file>
+
+<file path=ppt/slides/slide5.xml><?xml version="1.0" encoding="utf-8"?>
+<p:sld xmlns:a="http://schemas.openxmlformats.org/drawingml/2006/main" xmlns:r="http://schemas.openxmlformats.org/officeDocument/2006/relationships" xmlns:p="http://schemas.openxmlformats.org/presentationml/2006/main">
+  <p:cSld>
+    <p:spTree>
+      <p:nvGrpSpPr>
+        <p:cNvPr id="1" name=""/>
+        <p:cNvGrpSpPr/>
+        <p:nvPr/>
+      </p:nvGrpSpPr>
+      <p:grpSpPr>
+        <a:xfrm>
+          <a:off x="0" y="0"/>
+          <a:ext cx="0" cy="0"/>
+          <a:chOff x="0" y="0"/>
+          <a:chExt cx="0" cy="0"/>
+        </a:xfrm>
+      </p:grpSpPr>
+      <p:sp>
+        <p:nvSpPr>
+          <p:cNvPr id="2" name="Title 1">
+            <a:extLst>
+              <a:ext uri="{FF2B5EF4-FFF2-40B4-BE49-F238E27FC236}">
+                <a16:creationId xmlns:a16="http://schemas.microsoft.com/office/drawing/2014/main" id="{B83DB043-F1CB-F898-56D2-34C7B30B07E8}"/>
+              </a:ext>
+            </a:extLst>
+          </p:cNvPr>
+          <p:cNvSpPr>
+            <a:spLocks noGrp="1"/>
+          </p:cNvSpPr>
+          <p:nvPr>
+            <p:ph type="ctrTitle"/>
+          </p:nvPr>
+        </p:nvSpPr>
+        <p:spPr>
+          <a:xfrm>
+            <a:off x="1006867" y="495641"/>
+            <a:ext cx="10037851" cy="1250967"/>
+          </a:xfrm>
+          <a:solidFill>
+            <a:schemeClr val="accent1"/>
+          </a:solidFill>
+        </p:spPr>
+        <p:txBody>
+          <a:bodyPr/>
+          <a:lstStyle/>
+          <a:p>
+            <a:r>
+              <a:rPr lang="en-US" b="1" dirty="0">
+                <a:solidFill>
+                  <a:schemeClr val="bg1"/>
+                </a:solidFill>
+              </a:rPr>
+              <a:t>Data Preparation</a:t>
+            </a:r>
+          </a:p>
+        </p:txBody>
+      </p:sp>
+      <p:sp>
+        <p:nvSpPr>
+          <p:cNvPr id="3" name="Subtitle 2">
+            <a:extLst>
+              <a:ext uri="{FF2B5EF4-FFF2-40B4-BE49-F238E27FC236}">
+                <a16:creationId xmlns:a16="http://schemas.microsoft.com/office/drawing/2014/main" id="{8CEFFA2B-52E5-650A-7744-81AA8A06E0CB}"/>
+              </a:ext>
+            </a:extLst>
+          </p:cNvPr>
+          <p:cNvSpPr>
+            <a:spLocks noGrp="1"/>
+          </p:cNvSpPr>
+          <p:nvPr>
+            <p:ph type="subTitle" idx="1"/>
+          </p:nvPr>
+        </p:nvSpPr>
+        <p:spPr>
+          <a:xfrm>
+            <a:off x="1006867" y="1880174"/>
+            <a:ext cx="10037851" cy="4366514"/>
+          </a:xfrm>
+          <a:gradFill>
+            <a:gsLst>
+              <a:gs pos="0">
+                <a:schemeClr val="accent4">
+                  <a:lumMod val="20000"/>
+                  <a:lumOff val="80000"/>
+                </a:schemeClr>
+              </a:gs>
+              <a:gs pos="74000">
+                <a:schemeClr val="accent1">
+                  <a:lumMod val="45000"/>
+                  <a:lumOff val="55000"/>
+                </a:schemeClr>
+              </a:gs>
+              <a:gs pos="83000">
+                <a:schemeClr val="accent1">
+                  <a:lumMod val="45000"/>
+                  <a:lumOff val="55000"/>
+                </a:schemeClr>
+              </a:gs>
+              <a:gs pos="100000">
+                <a:schemeClr val="accent1">
+                  <a:lumMod val="30000"/>
+                  <a:lumOff val="70000"/>
+                </a:schemeClr>
+              </a:gs>
+            </a:gsLst>
+            <a:lin ang="5400000" scaled="1"/>
+          </a:gradFill>
+        </p:spPr>
+        <p:txBody>
+          <a:bodyPr>
+            <a:normAutofit fontScale="92500"/>
+          </a:bodyPr>
+          <a:lstStyle/>
+          <a:p>
+            <a:pPr marL="571500" indent="-571500" algn="l">
+              <a:buFont typeface="Wingdings" panose="05000000000000000000" pitchFamily="2" charset="2"/>
+              <a:buChar char="v"/>
+            </a:pPr>
+            <a:r>
+              <a:rPr lang="en-US" sz="3600" dirty="0"/>
+              <a:t>Data cleaning and inspection which involved checking for missing values, duplicate entries and invalid ratings.</a:t>
+            </a:r>
+          </a:p>
+          <a:p>
+            <a:pPr algn="l"/>
+            <a:endParaRPr lang="en-US" sz="3600" dirty="0"/>
+          </a:p>
+          <a:p>
+            <a:pPr marL="571500" indent="-571500" algn="l">
+              <a:buFont typeface="Wingdings" panose="05000000000000000000" pitchFamily="2" charset="2"/>
+              <a:buChar char="v"/>
+            </a:pPr>
+            <a:r>
+              <a:rPr lang="en-US" sz="3600" dirty="0"/>
+              <a:t>Removed noise and filtered low-activity users/movies.</a:t>
+            </a:r>
+          </a:p>
+          <a:p>
+            <a:pPr algn="l"/>
+            <a:endParaRPr lang="en-US" sz="3600" dirty="0"/>
+          </a:p>
+          <a:p>
+            <a:pPr marL="571500" indent="-571500" algn="l">
+              <a:buFont typeface="Wingdings" panose="05000000000000000000" pitchFamily="2" charset="2"/>
+              <a:buChar char="v"/>
+            </a:pPr>
+            <a:r>
+              <a:rPr lang="en-US" sz="3600" dirty="0"/>
+              <a:t>Prepared Surprise-compatible format for modeling.</a:t>
+            </a:r>
+          </a:p>
+          <a:p>
+            <a:pPr algn="l"/>
+            <a:endParaRPr lang="en-US" sz="3200" dirty="0"/>
+          </a:p>
+        </p:txBody>
+      </p:sp>
+    </p:spTree>
+    <p:extLst>
+      <p:ext uri="{BB962C8B-B14F-4D97-AF65-F5344CB8AC3E}">
+        <p14:creationId xmlns:p14="http://schemas.microsoft.com/office/powerpoint/2010/main" val="3189740655"/>
+      </p:ext>
+    </p:extLst>
+  </p:cSld>
+  <p:clrMapOvr>
+    <a:masterClrMapping/>
+  </p:clrMapOvr>
+</p:sld>
+</file>
+
+<file path=ppt/slides/slide6.xml><?xml version="1.0" encoding="utf-8"?>
+<p:sld xmlns:a="http://schemas.openxmlformats.org/drawingml/2006/main" xmlns:r="http://schemas.openxmlformats.org/officeDocument/2006/relationships" xmlns:p="http://schemas.openxmlformats.org/presentationml/2006/main">
+  <p:cSld>
+    <p:spTree>
+      <p:nvGrpSpPr>
+        <p:cNvPr id="1" name=""/>
+        <p:cNvGrpSpPr/>
+        <p:nvPr/>
+      </p:nvGrpSpPr>
+      <p:grpSpPr>
+        <a:xfrm>
+          <a:off x="0" y="0"/>
+          <a:ext cx="0" cy="0"/>
+          <a:chOff x="0" y="0"/>
+          <a:chExt cx="0" cy="0"/>
+        </a:xfrm>
+      </p:grpSpPr>
+      <p:sp>
+        <p:nvSpPr>
+          <p:cNvPr id="5" name="Subtitle 2">
+            <a:extLst>
+              <a:ext uri="{FF2B5EF4-FFF2-40B4-BE49-F238E27FC236}">
+                <a16:creationId xmlns:a16="http://schemas.microsoft.com/office/drawing/2014/main" id="{9B615B29-8084-8B09-C468-26B6E724CC24}"/>
+              </a:ext>
+            </a:extLst>
+          </p:cNvPr>
+          <p:cNvSpPr txBox="1">
+            <a:spLocks/>
+          </p:cNvSpPr>
+          <p:nvPr/>
+        </p:nvSpPr>
+        <p:spPr>
+          <a:xfrm>
+            <a:off x="838199" y="1623317"/>
+            <a:ext cx="10515601" cy="4808305"/>
+          </a:xfrm>
+          <a:prstGeom prst="rect">
+            <a:avLst/>
+          </a:prstGeom>
+          <a:gradFill>
+            <a:gsLst>
+              <a:gs pos="0">
+                <a:schemeClr val="accent4">
+                  <a:lumMod val="20000"/>
+                  <a:lumOff val="80000"/>
+                </a:schemeClr>
+              </a:gs>
+              <a:gs pos="74000">
+                <a:schemeClr val="accent1">
+                  <a:lumMod val="45000"/>
+                  <a:lumOff val="55000"/>
+                </a:schemeClr>
+              </a:gs>
+              <a:gs pos="83000">
+                <a:schemeClr val="accent1">
+                  <a:lumMod val="45000"/>
+                  <a:lumOff val="55000"/>
+                </a:schemeClr>
+              </a:gs>
+              <a:gs pos="100000">
+                <a:schemeClr val="accent1">
+                  <a:lumMod val="30000"/>
+                  <a:lumOff val="70000"/>
+                </a:schemeClr>
+              </a:gs>
+            </a:gsLst>
+            <a:lin ang="5400000" scaled="1"/>
+          </a:gradFill>
+        </p:spPr>
+        <p:txBody>
+          <a:bodyPr vert="horz" lIns="91440" tIns="45720" rIns="91440" bIns="45720" rtlCol="0">
+            <a:normAutofit/>
+          </a:bodyPr>
+          <a:lstStyle>
+            <a:lvl1pPr marL="228600" indent="-228600" algn="l" defTabSz="914400" rtl="0" eaLnBrk="1" latinLnBrk="0" hangingPunct="1">
+              <a:lnSpc>
+                <a:spcPct val="90000"/>
+              </a:lnSpc>
+              <a:spcBef>
+                <a:spcPts val="1000"/>
+              </a:spcBef>
+              <a:buFont typeface="Arial" panose="020B0604020202020204" pitchFamily="34" charset="0"/>
+              <a:buChar char="•"/>
+              <a:defRPr sz="2800" kern="1200">
+                <a:solidFill>
+                  <a:schemeClr val="tx1"/>
+                </a:solidFill>
+                <a:latin typeface="+mn-lt"/>
+                <a:ea typeface="+mn-ea"/>
+                <a:cs typeface="+mn-cs"/>
+              </a:defRPr>
+            </a:lvl1pPr>
+            <a:lvl2pPr marL="685800" indent="-228600" algn="l" defTabSz="914400" rtl="0" eaLnBrk="1" latinLnBrk="0" hangingPunct="1">
+              <a:lnSpc>
+                <a:spcPct val="90000"/>
+              </a:lnSpc>
+              <a:spcBef>
+                <a:spcPts val="500"/>
+              </a:spcBef>
+              <a:buFont typeface="Arial" panose="020B0604020202020204" pitchFamily="34" charset="0"/>
+              <a:buChar char="•"/>
+              <a:defRPr sz="2400" kern="1200">
+                <a:solidFill>
+                  <a:schemeClr val="tx1"/>
+                </a:solidFill>
+                <a:latin typeface="+mn-lt"/>
+                <a:ea typeface="+mn-ea"/>
+                <a:cs typeface="+mn-cs"/>
+              </a:defRPr>
+            </a:lvl2pPr>
+            <a:lvl3pPr marL="1143000" indent="-228600" algn="l" defTabSz="914400" rtl="0" eaLnBrk="1" latinLnBrk="0" hangingPunct="1">
+              <a:lnSpc>
+                <a:spcPct val="90000"/>
+              </a:lnSpc>
+              <a:spcBef>
+                <a:spcPts val="500"/>
+              </a:spcBef>
+              <a:buFont typeface="Arial" panose="020B0604020202020204" pitchFamily="34" charset="0"/>
+              <a:buChar char="•"/>
+              <a:defRPr sz="2000" kern="1200">
+                <a:solidFill>
+                  <a:schemeClr val="tx1"/>
+                </a:solidFill>
+                <a:latin typeface="+mn-lt"/>
+                <a:ea typeface="+mn-ea"/>
+                <a:cs typeface="+mn-cs"/>
+              </a:defRPr>
+            </a:lvl3pPr>
+            <a:lvl4pPr marL="1600200" indent="-228600" algn="l" defTabSz="914400" rtl="0" eaLnBrk="1" latinLnBrk="0" hangingPunct="1">
+              <a:lnSpc>
+                <a:spcPct val="90000"/>
+              </a:lnSpc>
+              <a:spcBef>
+                <a:spcPts val="500"/>
+              </a:spcBef>
+              <a:buFont typeface="Arial" panose="020B0604020202020204" pitchFamily="34" charset="0"/>
+              <a:buChar char="•"/>
+              <a:defRPr sz="1800" kern="1200">
+                <a:solidFill>
+                  <a:schemeClr val="tx1"/>
+                </a:solidFill>
+                <a:latin typeface="+mn-lt"/>
+                <a:ea typeface="+mn-ea"/>
+                <a:cs typeface="+mn-cs"/>
+              </a:defRPr>
+            </a:lvl4pPr>
+            <a:lvl5pPr marL="2057400" indent="-228600" algn="l" defTabSz="914400" rtl="0" eaLnBrk="1" latinLnBrk="0" hangingPunct="1">
+              <a:lnSpc>
+                <a:spcPct val="90000"/>
+              </a:lnSpc>
+              <a:spcBef>
+                <a:spcPts val="500"/>
+              </a:spcBef>
+              <a:buFont typeface="Arial" panose="020B0604020202020204" pitchFamily="34" charset="0"/>
+              <a:buChar char="•"/>
+              <a:defRPr sz="1800" kern="1200">
+                <a:solidFill>
+                  <a:schemeClr val="tx1"/>
+                </a:solidFill>
+                <a:latin typeface="+mn-lt"/>
+                <a:ea typeface="+mn-ea"/>
+                <a:cs typeface="+mn-cs"/>
+              </a:defRPr>
+            </a:lvl5pPr>
+            <a:lvl6pPr marL="2514600" indent="-228600" algn="l" defTabSz="914400" rtl="0" eaLnBrk="1" latinLnBrk="0" hangingPunct="1">
+              <a:lnSpc>
+                <a:spcPct val="90000"/>
+              </a:lnSpc>
+              <a:spcBef>
+                <a:spcPts val="500"/>
+              </a:spcBef>
+              <a:buFont typeface="Arial" panose="020B0604020202020204" pitchFamily="34" charset="0"/>
+              <a:buChar char="•"/>
+              <a:defRPr sz="1800" kern="1200">
+                <a:solidFill>
+                  <a:schemeClr val="tx1"/>
+                </a:solidFill>
+                <a:latin typeface="+mn-lt"/>
+                <a:ea typeface="+mn-ea"/>
+                <a:cs typeface="+mn-cs"/>
+              </a:defRPr>
+            </a:lvl6pPr>
+            <a:lvl7pPr marL="2971800" indent="-228600" algn="l" defTabSz="914400" rtl="0" eaLnBrk="1" latinLnBrk="0" hangingPunct="1">
+              <a:lnSpc>
+                <a:spcPct val="90000"/>
+              </a:lnSpc>
+              <a:spcBef>
+                <a:spcPts val="500"/>
+              </a:spcBef>
+              <a:buFont typeface="Arial" panose="020B0604020202020204" pitchFamily="34" charset="0"/>
+              <a:buChar char="•"/>
+              <a:defRPr sz="1800" kern="1200">
+                <a:solidFill>
+                  <a:schemeClr val="tx1"/>
+                </a:solidFill>
+                <a:latin typeface="+mn-lt"/>
+                <a:ea typeface="+mn-ea"/>
+                <a:cs typeface="+mn-cs"/>
+              </a:defRPr>
+            </a:lvl7pPr>
+            <a:lvl8pPr marL="3429000" indent="-228600" algn="l" defTabSz="914400" rtl="0" eaLnBrk="1" latinLnBrk="0" hangingPunct="1">
+              <a:lnSpc>
+                <a:spcPct val="90000"/>
+              </a:lnSpc>
+              <a:spcBef>
+                <a:spcPts val="500"/>
+              </a:spcBef>
+              <a:buFont typeface="Arial" panose="020B0604020202020204" pitchFamily="34" charset="0"/>
+              <a:buChar char="•"/>
+              <a:defRPr sz="1800" kern="1200">
+                <a:solidFill>
+                  <a:schemeClr val="tx1"/>
+                </a:solidFill>
+                <a:latin typeface="+mn-lt"/>
+                <a:ea typeface="+mn-ea"/>
+                <a:cs typeface="+mn-cs"/>
+              </a:defRPr>
+            </a:lvl8pPr>
+            <a:lvl9pPr marL="3886200" indent="-228600" algn="l" defTabSz="914400" rtl="0" eaLnBrk="1" latinLnBrk="0" hangingPunct="1">
+              <a:lnSpc>
+                <a:spcPct val="90000"/>
+              </a:lnSpc>
+              <a:spcBef>
+                <a:spcPts val="500"/>
+              </a:spcBef>
+              <a:buFont typeface="Arial" panose="020B0604020202020204" pitchFamily="34" charset="0"/>
+              <a:buChar char="•"/>
+              <a:defRPr sz="1800" kern="1200">
+                <a:solidFill>
+                  <a:schemeClr val="tx1"/>
+                </a:solidFill>
+                <a:latin typeface="+mn-lt"/>
+                <a:ea typeface="+mn-ea"/>
+                <a:cs typeface="+mn-cs"/>
+              </a:defRPr>
+            </a:lvl9pPr>
+          </a:lstStyle>
+          <a:p>
+            <a:pPr marL="0" indent="0">
+              <a:buNone/>
+            </a:pPr>
+            <a:endParaRPr lang="en-US" b="1" dirty="0">
+              <a:solidFill>
+                <a:schemeClr val="bg1"/>
+              </a:solidFill>
+            </a:endParaRPr>
+          </a:p>
+          <a:p>
+            <a:endParaRPr lang="en-US" b="1" dirty="0">
+              <a:solidFill>
+                <a:schemeClr val="bg1"/>
+              </a:solidFill>
+            </a:endParaRPr>
+          </a:p>
+          <a:p>
+            <a:endParaRPr lang="en-US" b="1" dirty="0">
+              <a:solidFill>
+                <a:schemeClr val="bg1"/>
+              </a:solidFill>
+            </a:endParaRPr>
+          </a:p>
+        </p:txBody>
+      </p:sp>
+      <p:sp>
+        <p:nvSpPr>
+          <p:cNvPr id="3" name="Content Placeholder 2">
+            <a:extLst>
+              <a:ext uri="{FF2B5EF4-FFF2-40B4-BE49-F238E27FC236}">
+                <a16:creationId xmlns:a16="http://schemas.microsoft.com/office/drawing/2014/main" id="{3AAD6252-0782-524E-C9A1-57006A10B997}"/>
+              </a:ext>
+            </a:extLst>
+          </p:cNvPr>
+          <p:cNvSpPr>
+            <a:spLocks noGrp="1"/>
+          </p:cNvSpPr>
+          <p:nvPr>
+            <p:ph idx="1"/>
+          </p:nvPr>
+        </p:nvSpPr>
+        <p:spPr/>
+        <p:txBody>
+          <a:bodyPr/>
+          <a:lstStyle/>
+          <a:p>
+            <a:r>
+              <a:rPr lang="en-US" sz="3600" dirty="0"/>
+              <a:t>Found users favor highly-rated movies in Drama, Comedy, and Thriller genres.</a:t>
+            </a:r>
+          </a:p>
+          <a:p>
+            <a:r>
+              <a:rPr lang="en-US" sz="3600" dirty="0"/>
+              <a:t>Active users and popular movies provide strong signals for recommendations.</a:t>
+            </a:r>
+          </a:p>
+          <a:p>
+            <a:pPr marL="0" indent="0">
+              <a:buNone/>
+            </a:pPr>
+            <a:endParaRPr lang="en-US" dirty="0"/>
+          </a:p>
+        </p:txBody>
+      </p:sp>
+      <p:sp>
+        <p:nvSpPr>
+          <p:cNvPr id="4" name="Title 1">
+            <a:extLst>
+              <a:ext uri="{FF2B5EF4-FFF2-40B4-BE49-F238E27FC236}">
+                <a16:creationId xmlns:a16="http://schemas.microsoft.com/office/drawing/2014/main" id="{934360B8-ECB6-CEF3-728D-613D70C68478}"/>
+              </a:ext>
+            </a:extLst>
+          </p:cNvPr>
+          <p:cNvSpPr>
+            <a:spLocks noGrp="1"/>
+          </p:cNvSpPr>
+          <p:nvPr>
+            <p:ph type="title"/>
+          </p:nvPr>
+        </p:nvSpPr>
+        <p:spPr>
+          <a:xfrm>
+            <a:off x="838200" y="365125"/>
+            <a:ext cx="10515600" cy="1325563"/>
+          </a:xfrm>
+          <a:solidFill>
+            <a:schemeClr val="accent1"/>
+          </a:solidFill>
+        </p:spPr>
+        <p:txBody>
+          <a:bodyPr>
+            <a:normAutofit/>
+          </a:bodyPr>
+          <a:lstStyle/>
+          <a:p>
+            <a:pPr algn="ctr"/>
+            <a:r>
+              <a:rPr lang="en-US" sz="4800" b="1" dirty="0">
+                <a:solidFill>
+                  <a:schemeClr val="bg1"/>
+                </a:solidFill>
+              </a:rPr>
+              <a:t>Exploratory Analysis</a:t>
+            </a:r>
+          </a:p>
+        </p:txBody>
+      </p:sp>
+    </p:spTree>
+    <p:extLst>
+      <p:ext uri="{BB962C8B-B14F-4D97-AF65-F5344CB8AC3E}">
+        <p14:creationId xmlns:p14="http://schemas.microsoft.com/office/powerpoint/2010/main" val="2809244102"/>
+      </p:ext>
+    </p:extLst>
+  </p:cSld>
+  <p:clrMapOvr>
+    <a:masterClrMapping/>
+  </p:clrMapOvr>
+</p:sld>
+</file>
+
+<file path=ppt/slides/slide7.xml><?xml version="1.0" encoding="utf-8"?>
+<p:sld xmlns:a="http://schemas.openxmlformats.org/drawingml/2006/main" xmlns:r="http://schemas.openxmlformats.org/officeDocument/2006/relationships" xmlns:p="http://schemas.openxmlformats.org/presentationml/2006/main">
+  <p:cSld>
+    <p:spTree>
+      <p:nvGrpSpPr>
+        <p:cNvPr id="1" name="">
+          <a:extLst>
+            <a:ext uri="{FF2B5EF4-FFF2-40B4-BE49-F238E27FC236}">
+              <a16:creationId xmlns:a16="http://schemas.microsoft.com/office/drawing/2014/main" id="{607B9DF6-6C9E-3E67-10EF-3596113B3737}"/>
+            </a:ext>
+          </a:extLst>
+        </p:cNvPr>
+        <p:cNvGrpSpPr/>
+        <p:nvPr/>
+      </p:nvGrpSpPr>
+      <p:grpSpPr>
+        <a:xfrm>
+          <a:off x="0" y="0"/>
+          <a:ext cx="0" cy="0"/>
+          <a:chOff x="0" y="0"/>
+          <a:chExt cx="0" cy="0"/>
+        </a:xfrm>
+      </p:grpSpPr>
+      <p:sp>
+        <p:nvSpPr>
+          <p:cNvPr id="2" name="Title 1">
+            <a:extLst>
+              <a:ext uri="{FF2B5EF4-FFF2-40B4-BE49-F238E27FC236}">
+                <a16:creationId xmlns:a16="http://schemas.microsoft.com/office/drawing/2014/main" id="{2ED9B608-2165-052B-6521-F0FB052127B7}"/>
+              </a:ext>
+            </a:extLst>
+          </p:cNvPr>
+          <p:cNvSpPr>
+            <a:spLocks noGrp="1"/>
+          </p:cNvSpPr>
+          <p:nvPr>
+            <p:ph type="ctrTitle"/>
+          </p:nvPr>
+        </p:nvSpPr>
+        <p:spPr>
+          <a:xfrm>
+            <a:off x="1006867" y="495641"/>
+            <a:ext cx="10037851" cy="1250967"/>
+          </a:xfrm>
+          <a:solidFill>
+            <a:schemeClr val="accent1"/>
+          </a:solidFill>
+        </p:spPr>
+        <p:txBody>
+          <a:bodyPr/>
+          <a:lstStyle/>
+          <a:p>
+            <a:r>
+              <a:rPr lang="en-US" b="1" dirty="0">
+                <a:solidFill>
+                  <a:schemeClr val="bg1"/>
+                </a:solidFill>
+              </a:rPr>
+              <a:t>Modeling Approach</a:t>
+            </a:r>
+          </a:p>
+        </p:txBody>
+      </p:sp>
+      <p:sp>
+        <p:nvSpPr>
+          <p:cNvPr id="3" name="Subtitle 2">
+            <a:extLst>
+              <a:ext uri="{FF2B5EF4-FFF2-40B4-BE49-F238E27FC236}">
+                <a16:creationId xmlns:a16="http://schemas.microsoft.com/office/drawing/2014/main" id="{A231F761-403D-E73A-F04D-52DEA85531F4}"/>
+              </a:ext>
+            </a:extLst>
+          </p:cNvPr>
+          <p:cNvSpPr>
+            <a:spLocks noGrp="1"/>
+          </p:cNvSpPr>
+          <p:nvPr>
+            <p:ph type="subTitle" idx="1"/>
+          </p:nvPr>
+        </p:nvSpPr>
+        <p:spPr>
+          <a:xfrm>
+            <a:off x="1006867" y="1880174"/>
+            <a:ext cx="10037851" cy="4366514"/>
+          </a:xfrm>
+          <a:gradFill>
+            <a:gsLst>
+              <a:gs pos="0">
+                <a:schemeClr val="accent4">
+                  <a:lumMod val="20000"/>
+                  <a:lumOff val="80000"/>
+                </a:schemeClr>
+              </a:gs>
+              <a:gs pos="74000">
+                <a:schemeClr val="accent1">
+                  <a:lumMod val="45000"/>
+                  <a:lumOff val="55000"/>
+                </a:schemeClr>
+              </a:gs>
+              <a:gs pos="83000">
+                <a:schemeClr val="accent1">
+                  <a:lumMod val="45000"/>
+                  <a:lumOff val="55000"/>
+                </a:schemeClr>
+              </a:gs>
+              <a:gs pos="100000">
+                <a:schemeClr val="accent1">
+                  <a:lumMod val="30000"/>
+                  <a:lumOff val="70000"/>
+                </a:schemeClr>
+              </a:gs>
+            </a:gsLst>
+            <a:lin ang="5400000" scaled="1"/>
+          </a:gradFill>
+        </p:spPr>
+        <p:txBody>
+          <a:bodyPr>
+            <a:normAutofit/>
+          </a:bodyPr>
+          <a:lstStyle/>
+          <a:p>
+            <a:pPr marL="571500" indent="-571500" algn="l">
+              <a:buFont typeface="Wingdings" panose="05000000000000000000" pitchFamily="2" charset="2"/>
+              <a:buChar char="v"/>
+            </a:pPr>
+            <a:r>
+              <a:rPr lang="en-US" sz="3600" dirty="0"/>
+              <a:t>KNNBasic: item-item collaborative filtering using cosine similarity.</a:t>
+            </a:r>
+          </a:p>
+          <a:p>
+            <a:pPr algn="l"/>
+            <a:endParaRPr lang="en-US" sz="3600" dirty="0"/>
+          </a:p>
+          <a:p>
+            <a:pPr marL="571500" indent="-571500" algn="l">
+              <a:buFont typeface="Wingdings" panose="05000000000000000000" pitchFamily="2" charset="2"/>
+              <a:buChar char="v"/>
+            </a:pPr>
+            <a:r>
+              <a:rPr lang="en-US" sz="3600" dirty="0"/>
+              <a:t>SVD: matrix factorization for latent preferences.</a:t>
+            </a:r>
+          </a:p>
+          <a:p>
+            <a:pPr algn="l"/>
+            <a:endParaRPr lang="en-US" sz="3600" dirty="0"/>
+          </a:p>
+          <a:p>
+            <a:pPr marL="571500" indent="-571500" algn="l">
+              <a:buFont typeface="Wingdings" panose="05000000000000000000" pitchFamily="2" charset="2"/>
+              <a:buChar char="v"/>
+            </a:pPr>
+            <a:r>
+              <a:rPr lang="en-US" sz="3600" dirty="0"/>
+              <a:t>Evaluation: 80/20 train-test split with RMSE and MAE metrics.</a:t>
+            </a:r>
+          </a:p>
+          <a:p>
+            <a:pPr algn="l"/>
+            <a:endParaRPr lang="en-US" sz="3200" dirty="0"/>
+          </a:p>
+        </p:txBody>
+      </p:sp>
+    </p:spTree>
+    <p:extLst>
+      <p:ext uri="{BB962C8B-B14F-4D97-AF65-F5344CB8AC3E}">
+        <p14:creationId xmlns:p14="http://schemas.microsoft.com/office/powerpoint/2010/main" val="3332110296"/>
+      </p:ext>
+    </p:extLst>
+  </p:cSld>
+  <p:clrMapOvr>
+    <a:masterClrMapping/>
+  </p:clrMapOvr>
+</p:sld>
+</file>
+
+<file path=ppt/slides/slide8.xml><?xml version="1.0" encoding="utf-8"?>
+<p:sld xmlns:a="http://schemas.openxmlformats.org/drawingml/2006/main" xmlns:r="http://schemas.openxmlformats.org/officeDocument/2006/relationships" xmlns:p="http://schemas.openxmlformats.org/presentationml/2006/main">
+  <p:cSld>
+    <p:spTree>
+      <p:nvGrpSpPr>
+        <p:cNvPr id="1" name=""/>
+        <p:cNvGrpSpPr/>
+        <p:nvPr/>
+      </p:nvGrpSpPr>
+      <p:grpSpPr>
+        <a:xfrm>
+          <a:off x="0" y="0"/>
+          <a:ext cx="0" cy="0"/>
+          <a:chOff x="0" y="0"/>
+          <a:chExt cx="0" cy="0"/>
+        </a:xfrm>
+      </p:grpSpPr>
+      <p:sp>
+        <p:nvSpPr>
+          <p:cNvPr id="2" name="Title 1">
+            <a:extLst>
+              <a:ext uri="{FF2B5EF4-FFF2-40B4-BE49-F238E27FC236}">
+                <a16:creationId xmlns:a16="http://schemas.microsoft.com/office/drawing/2014/main" id="{0B591000-B12D-CB05-D447-1DA8CF87A02E}"/>
+              </a:ext>
+            </a:extLst>
+          </p:cNvPr>
+          <p:cNvSpPr>
+            <a:spLocks noGrp="1"/>
+          </p:cNvSpPr>
+          <p:nvPr>
+            <p:ph type="ctrTitle"/>
+          </p:nvPr>
+        </p:nvSpPr>
+        <p:spPr>
+          <a:xfrm>
+            <a:off x="721421" y="495640"/>
+            <a:ext cx="10580152" cy="1333161"/>
+          </a:xfrm>
+          <a:solidFill>
+            <a:srgbClr val="0070C0"/>
+          </a:solidFill>
+        </p:spPr>
+        <p:txBody>
+          <a:bodyPr/>
+          <a:lstStyle/>
+          <a:p>
+            <a:r>
+              <a:rPr lang="en-US" b="1" dirty="0">
+                <a:solidFill>
+                  <a:schemeClr val="bg1"/>
+                </a:solidFill>
+              </a:rPr>
+              <a:t>Model Performance</a:t>
+            </a:r>
+          </a:p>
+        </p:txBody>
+      </p:sp>
+      <p:sp>
+        <p:nvSpPr>
+          <p:cNvPr id="3" name="Subtitle 2">
+            <a:extLst>
+              <a:ext uri="{FF2B5EF4-FFF2-40B4-BE49-F238E27FC236}">
+                <a16:creationId xmlns:a16="http://schemas.microsoft.com/office/drawing/2014/main" id="{96E83A36-60D1-B693-BA67-E68A7FC9078C}"/>
+              </a:ext>
+            </a:extLst>
+          </p:cNvPr>
+          <p:cNvSpPr>
+            <a:spLocks noGrp="1"/>
+          </p:cNvSpPr>
+          <p:nvPr>
+            <p:ph type="subTitle" idx="1"/>
+          </p:nvPr>
+        </p:nvSpPr>
+        <p:spPr>
+          <a:xfrm>
+            <a:off x="721420" y="2029968"/>
+            <a:ext cx="10580152" cy="4332392"/>
+          </a:xfrm>
+          <a:gradFill>
+            <a:gsLst>
+              <a:gs pos="0">
+                <a:schemeClr val="accent4">
+                  <a:lumMod val="20000"/>
+                  <a:lumOff val="80000"/>
+                </a:schemeClr>
+              </a:gs>
+              <a:gs pos="74000">
+                <a:schemeClr val="accent1">
+                  <a:lumMod val="45000"/>
+                  <a:lumOff val="55000"/>
+                </a:schemeClr>
+              </a:gs>
+              <a:gs pos="83000">
+                <a:schemeClr val="accent1">
+                  <a:lumMod val="45000"/>
+                  <a:lumOff val="55000"/>
+                </a:schemeClr>
+              </a:gs>
+              <a:gs pos="100000">
+                <a:schemeClr val="accent1">
+                  <a:lumMod val="30000"/>
+                  <a:lumOff val="70000"/>
+                </a:schemeClr>
+              </a:gs>
+            </a:gsLst>
+            <a:lin ang="5400000" scaled="1"/>
+          </a:gradFill>
+        </p:spPr>
+        <p:txBody>
+          <a:bodyPr>
+            <a:normAutofit/>
+          </a:bodyPr>
+          <a:lstStyle/>
+          <a:p>
+            <a:pPr marL="342900" indent="-342900" algn="just">
+              <a:buFont typeface="Wingdings" panose="05000000000000000000" pitchFamily="2" charset="2"/>
+              <a:buChar char="v"/>
+            </a:pPr>
+            <a:r>
+              <a:rPr lang="en-US" sz="3200" dirty="0"/>
+              <a:t>KNNBasic RMSE: 0.8844 | MAE: 0.6753</a:t>
+            </a:r>
+          </a:p>
+          <a:p>
+            <a:pPr algn="just"/>
+            <a:endParaRPr lang="en-US" sz="3200" dirty="0"/>
+          </a:p>
+          <a:p>
+            <a:pPr marL="342900" indent="-342900" algn="just">
+              <a:buFont typeface="Wingdings" panose="05000000000000000000" pitchFamily="2" charset="2"/>
+              <a:buChar char="v"/>
+            </a:pPr>
+            <a:r>
+              <a:rPr lang="en-US" sz="3200" dirty="0"/>
+              <a:t>SVD RMSE: 0.8368 | MAE: 0.6395 (better performance)</a:t>
+            </a:r>
+          </a:p>
+          <a:p>
+            <a:pPr algn="just"/>
+            <a:endParaRPr lang="en-US" sz="3200" dirty="0"/>
+          </a:p>
+          <a:p>
+            <a:pPr marL="342900" indent="-342900" algn="just">
+              <a:buFont typeface="Wingdings" panose="05000000000000000000" pitchFamily="2" charset="2"/>
+              <a:buChar char="v"/>
+            </a:pPr>
+            <a:r>
+              <a:rPr lang="en-US" sz="3200" dirty="0"/>
+              <a:t>SVD chosen for deployment due to improved accuracy.</a:t>
+            </a:r>
+          </a:p>
+          <a:p>
+            <a:pPr marL="342900" indent="-342900">
+              <a:buFont typeface="Wingdings" panose="05000000000000000000" pitchFamily="2" charset="2"/>
+              <a:buChar char="v"/>
+            </a:pPr>
+            <a:endParaRPr lang="en-US" dirty="0"/>
+          </a:p>
+        </p:txBody>
+      </p:sp>
+    </p:spTree>
+    <p:extLst>
+      <p:ext uri="{BB962C8B-B14F-4D97-AF65-F5344CB8AC3E}">
+        <p14:creationId xmlns:p14="http://schemas.microsoft.com/office/powerpoint/2010/main" val="3900804041"/>
+      </p:ext>
+    </p:extLst>
+  </p:cSld>
+  <p:clrMapOvr>
+    <a:masterClrMapping/>
+  </p:clrMapOvr>
+</p:sld>
+</file>
+
+<file path=ppt/slides/slide9.xml><?xml version="1.0" encoding="utf-8"?>
+<p:sld xmlns:a="http://schemas.openxmlformats.org/drawingml/2006/main" xmlns:r="http://schemas.openxmlformats.org/officeDocument/2006/relationships" xmlns:p="http://schemas.openxmlformats.org/presentationml/2006/main">
+  <p:cSld>
+    <p:spTree>
+      <p:nvGrpSpPr>
+        <p:cNvPr id="1" name=""/>
+        <p:cNvGrpSpPr/>
+        <p:nvPr/>
+      </p:nvGrpSpPr>
+      <p:grpSpPr>
+        <a:xfrm>
+          <a:off x="0" y="0"/>
+          <a:ext cx="0" cy="0"/>
+          <a:chOff x="0" y="0"/>
+          <a:chExt cx="0" cy="0"/>
+        </a:xfrm>
+      </p:grpSpPr>
+      <p:sp>
+        <p:nvSpPr>
+          <p:cNvPr id="2" name="Title 1">
+            <a:extLst>
+              <a:ext uri="{FF2B5EF4-FFF2-40B4-BE49-F238E27FC236}">
+                <a16:creationId xmlns:a16="http://schemas.microsoft.com/office/drawing/2014/main" id="{85A5512E-772F-F930-F6B7-FC7303AB9331}"/>
+              </a:ext>
+            </a:extLst>
+          </p:cNvPr>
+          <p:cNvSpPr>
+            <a:spLocks noGrp="1"/>
+          </p:cNvSpPr>
+          <p:nvPr>
+            <p:ph type="ctrTitle"/>
+          </p:nvPr>
+        </p:nvSpPr>
+        <p:spPr>
+          <a:xfrm>
+            <a:off x="694944" y="493776"/>
+            <a:ext cx="10753344" cy="960819"/>
+          </a:xfrm>
+          <a:solidFill>
+            <a:schemeClr val="accent1"/>
+          </a:solidFill>
+        </p:spPr>
+        <p:txBody>
+          <a:bodyPr>
+            <a:normAutofit/>
+          </a:bodyPr>
+          <a:lstStyle/>
+          <a:p>
+            <a:r>
+              <a:rPr lang="en-US" sz="5300" b="1" i="0" dirty="0">
+                <a:solidFill>
+                  <a:schemeClr val="bg1"/>
+                </a:solidFill>
+                <a:effectLst/>
+                <a:latin typeface="system-ui"/>
+              </a:rPr>
+              <a:t>Top Recommendations (User 555)</a:t>
+            </a:r>
+            <a:endParaRPr lang="en-US" dirty="0"/>
+          </a:p>
+        </p:txBody>
+      </p:sp>
+      <p:sp>
+        <p:nvSpPr>
+          <p:cNvPr id="3" name="Subtitle 2">
+            <a:extLst>
+              <a:ext uri="{FF2B5EF4-FFF2-40B4-BE49-F238E27FC236}">
+                <a16:creationId xmlns:a16="http://schemas.microsoft.com/office/drawing/2014/main" id="{DC73B295-394A-F5B5-59C2-C8B4D4A48048}"/>
+              </a:ext>
+            </a:extLst>
+          </p:cNvPr>
+          <p:cNvSpPr>
+            <a:spLocks noGrp="1"/>
+          </p:cNvSpPr>
+          <p:nvPr>
+            <p:ph type="subTitle" idx="1"/>
+          </p:nvPr>
+        </p:nvSpPr>
+        <p:spPr>
+          <a:xfrm>
+            <a:off x="694944" y="1725283"/>
+            <a:ext cx="10753344" cy="5132717"/>
+          </a:xfrm>
+          <a:gradFill>
+            <a:gsLst>
+              <a:gs pos="0">
+                <a:schemeClr val="accent4">
+                  <a:lumMod val="20000"/>
+                  <a:lumOff val="80000"/>
+                </a:schemeClr>
+              </a:gs>
+              <a:gs pos="74000">
+                <a:schemeClr val="accent1">
+                  <a:lumMod val="45000"/>
+                  <a:lumOff val="55000"/>
+                </a:schemeClr>
+              </a:gs>
+              <a:gs pos="83000">
+                <a:schemeClr val="accent1">
+                  <a:lumMod val="45000"/>
+                  <a:lumOff val="55000"/>
+                </a:schemeClr>
+              </a:gs>
+              <a:gs pos="100000">
+                <a:schemeClr val="accent1">
+                  <a:lumMod val="30000"/>
+                  <a:lumOff val="70000"/>
+                </a:schemeClr>
+              </a:gs>
+            </a:gsLst>
+            <a:lin ang="5400000" scaled="1"/>
+          </a:gradFill>
+        </p:spPr>
+        <p:txBody>
+          <a:bodyPr>
+            <a:normAutofit/>
+          </a:bodyPr>
+          <a:lstStyle/>
+          <a:p>
+            <a:pPr marL="571500" indent="-571500" algn="l">
+              <a:buFont typeface="Wingdings" panose="05000000000000000000" pitchFamily="2" charset="2"/>
+              <a:buChar char="§"/>
+            </a:pPr>
+            <a:r>
+              <a:rPr lang="en-US" sz="3600" dirty="0"/>
+              <a:t>Alien (1979) — Predicted  Rating: 4.55</a:t>
+            </a:r>
+          </a:p>
+          <a:p>
+            <a:pPr marL="571500" indent="-571500" algn="l">
+              <a:buFont typeface="Wingdings" panose="05000000000000000000" pitchFamily="2" charset="2"/>
+              <a:buChar char="§"/>
+            </a:pPr>
+            <a:r>
+              <a:rPr lang="en-US" sz="3600" dirty="0"/>
+              <a:t>Raiders of the Lost Ark (1981) — Predicted Rating: 4.53</a:t>
+            </a:r>
+          </a:p>
+          <a:p>
+            <a:pPr marL="571500" indent="-571500" algn="l">
+              <a:buFont typeface="Wingdings" panose="05000000000000000000" pitchFamily="2" charset="2"/>
+              <a:buChar char="§"/>
+            </a:pPr>
+            <a:r>
+              <a:rPr lang="en-US" sz="3600" dirty="0"/>
+              <a:t>A Clockwork Orange (1971) — Predicted Rating: 4.52</a:t>
+            </a:r>
+          </a:p>
+          <a:p>
+            <a:pPr marL="571500" indent="-571500" algn="l">
+              <a:buFont typeface="Wingdings" panose="05000000000000000000" pitchFamily="2" charset="2"/>
+              <a:buChar char="§"/>
+            </a:pPr>
+            <a:r>
+              <a:rPr lang="en-US" sz="3600" dirty="0"/>
+              <a:t>Star Wars: Episode V (1980) — Predicted Rating: 4.50</a:t>
+            </a:r>
+          </a:p>
+          <a:p>
+            <a:pPr marL="571500" indent="-571500" algn="l">
+              <a:buFont typeface="Wingdings" panose="05000000000000000000" pitchFamily="2" charset="2"/>
+              <a:buChar char="§"/>
+            </a:pPr>
+            <a:r>
+              <a:rPr lang="en-US" sz="3600" dirty="0"/>
+              <a:t>Terminator 2: Judgment Day (1991) — Predicted Rating: 4.46</a:t>
+            </a:r>
+          </a:p>
+          <a:p>
+            <a:endParaRPr lang="en-US" sz="3600" dirty="0">
+              <a:solidFill>
+                <a:schemeClr val="accent1"/>
+              </a:solidFill>
+            </a:endParaRPr>
+          </a:p>
+        </p:txBody>
+      </p:sp>
+    </p:spTree>
+    <p:extLst>
+      <p:ext uri="{BB962C8B-B14F-4D97-AF65-F5344CB8AC3E}">
+        <p14:creationId xmlns:p14="http://schemas.microsoft.com/office/powerpoint/2010/main" val="568415570"/>
       </p:ext>
     </p:extLst>
   </p:cSld>
